--- a/JMS vFinal.pptx
+++ b/JMS vFinal.pptx
@@ -16,7 +16,7 @@
     <p:sldId id="267" r:id="rId10"/>
     <p:sldId id="281" r:id="rId11"/>
     <p:sldId id="261" r:id="rId12"/>
-    <p:sldId id="269" r:id="rId13"/>
+    <p:sldId id="285" r:id="rId13"/>
     <p:sldId id="262" r:id="rId14"/>
     <p:sldId id="264" r:id="rId15"/>
     <p:sldId id="272" r:id="rId16"/>
@@ -129,7 +129,7 @@
   </p:defaultTextStyle>
   <p:extLst>
     <p:ext uri="{EFAFB233-063F-42B5-8137-9DF3F51BA10A}">
-      <p15:sldGuideLst xmlns:p15="http://schemas.microsoft.com/office/powerpoint/2012/main"/>
+      <p15:sldGuideLst xmlns:p15="http://schemas.microsoft.com/office/powerpoint/2012/main" xmlns=""/>
     </p:ext>
   </p:extLst>
 </p:presentation>
@@ -332,7 +332,7 @@
             <a:fld id="{5923F103-BC34-4FE4-A40E-EDDEECFDA5D0}" type="datetimeFigureOut">
               <a:rPr lang="en-US" smtClean="0"/>
               <a:pPr/>
-              <a:t>8/17/2016</a:t>
+              <a:t>8/17/16</a:t>
             </a:fld>
             <a:endParaRPr lang="en-US" dirty="0"/>
           </a:p>
@@ -559,7 +559,7 @@
           <a:p>
             <a:fld id="{53086D93-FCAC-47E0-A2EE-787E62CA814C}" type="datetimeFigureOut">
               <a:rPr lang="en-US" smtClean="0"/>
-              <a:t>8/17/2016</a:t>
+              <a:t>8/17/16</a:t>
             </a:fld>
             <a:endParaRPr lang="en-US" dirty="0"/>
           </a:p>
@@ -745,7 +745,7 @@
           <a:p>
             <a:fld id="{CDA879A6-0FD0-4734-A311-86BFCA472E6E}" type="datetimeFigureOut">
               <a:rPr lang="en-US" smtClean="0"/>
-              <a:t>8/17/2016</a:t>
+              <a:t>8/17/16</a:t>
             </a:fld>
             <a:endParaRPr lang="en-US" dirty="0"/>
           </a:p>
@@ -921,7 +921,7 @@
           <a:p>
             <a:fld id="{19C9CA7B-DFD4-44B5-8C60-D14B8CD1FB59}" type="datetimeFigureOut">
               <a:rPr lang="en-US" smtClean="0"/>
-              <a:t>8/17/2016</a:t>
+              <a:t>8/17/16</a:t>
             </a:fld>
             <a:endParaRPr lang="en-US" dirty="0"/>
           </a:p>
@@ -1178,7 +1178,7 @@
           <a:p>
             <a:fld id="{F34E6425-0181-43F2-84FC-787E803FD2F8}" type="datetimeFigureOut">
               <a:rPr lang="en-US" smtClean="0"/>
-              <a:t>8/17/2016</a:t>
+              <a:t>8/17/16</a:t>
             </a:fld>
             <a:endParaRPr lang="en-US" dirty="0"/>
           </a:p>
@@ -1507,7 +1507,7 @@
           <a:p>
             <a:fld id="{3BDB8791-F1B0-41E7-B7FD-A781E65C4266}" type="datetimeFigureOut">
               <a:rPr lang="en-US" smtClean="0"/>
-              <a:t>8/17/2016</a:t>
+              <a:t>8/17/16</a:t>
             </a:fld>
             <a:endParaRPr lang="en-US" dirty="0"/>
           </a:p>
@@ -1937,7 +1937,7 @@
           <a:p>
             <a:fld id="{5FDD63B2-E120-4ED8-B27B-C685F510A5FE}" type="datetimeFigureOut">
               <a:rPr lang="en-US" smtClean="0"/>
-              <a:t>8/17/2016</a:t>
+              <a:t>8/17/16</a:t>
             </a:fld>
             <a:endParaRPr lang="en-US" dirty="0"/>
           </a:p>
@@ -2061,7 +2061,7 @@
           <a:p>
             <a:fld id="{7AA18ACC-A947-437B-A130-35BD54FDF1E9}" type="datetimeFigureOut">
               <a:rPr lang="en-US" smtClean="0"/>
-              <a:t>8/17/2016</a:t>
+              <a:t>8/17/16</a:t>
             </a:fld>
             <a:endParaRPr lang="en-US" dirty="0"/>
           </a:p>
@@ -2162,7 +2162,7 @@
           <a:p>
             <a:fld id="{7C8D7E02-BCB8-4D50-A234-369438C08659}" type="datetimeFigureOut">
               <a:rPr lang="en-US" smtClean="0"/>
-              <a:t>8/17/2016</a:t>
+              <a:t>8/17/16</a:t>
             </a:fld>
             <a:endParaRPr lang="en-US" dirty="0"/>
           </a:p>
@@ -2458,7 +2458,7 @@
           <a:p>
             <a:fld id="{76E86A4C-8E40-4F87-A4F0-01A0687C5742}" type="datetimeFigureOut">
               <a:rPr lang="en-US" smtClean="0"/>
-              <a:t>8/17/2016</a:t>
+              <a:t>8/17/16</a:t>
             </a:fld>
             <a:endParaRPr lang="en-US" dirty="0"/>
           </a:p>
@@ -2736,7 +2736,7 @@
           <a:p>
             <a:fld id="{35E72C73-2D91-4E12-BA25-F0AA0C03599B}" type="datetimeFigureOut">
               <a:rPr lang="en-US" smtClean="0"/>
-              <a:t>8/17/2016</a:t>
+              <a:t>8/17/16</a:t>
             </a:fld>
             <a:endParaRPr lang="en-US" dirty="0"/>
           </a:p>
@@ -2996,7 +2996,7 @@
           <a:p>
             <a:fld id="{2BE451C3-0FF4-47C4-B829-773ADF60F88C}" type="datetimeFigureOut">
               <a:rPr lang="en-US" smtClean="0"/>
-              <a:t>8/17/2016</a:t>
+              <a:t>8/17/16</a:t>
             </a:fld>
             <a:endParaRPr lang="en-US" dirty="0"/>
           </a:p>
@@ -3483,15 +3483,7 @@
           <a:p>
             <a:r>
               <a:rPr lang="en-US" dirty="0" smtClean="0"/>
-              <a:t>Java </a:t>
-            </a:r>
-            <a:r>
-              <a:rPr lang="en-US" dirty="0" smtClean="0"/>
-              <a:t>Message service</a:t>
-            </a:r>
-            <a:r>
-              <a:rPr lang="en-US" dirty="0" smtClean="0"/>
-              <a:t/>
+              <a:t>Java Message service</a:t>
             </a:r>
             <a:br>
               <a:rPr lang="en-US" dirty="0" smtClean="0"/>
@@ -3533,8 +3525,27 @@
           </a:p>
           <a:p>
             <a:r>
-              <a:rPr lang="en-US" dirty="0" smtClean="0"/>
-              <a:t>Ramon Rodriguez, Anshul Shah</a:t>
+              <a:rPr lang="en-US" i="1" dirty="0" smtClean="0"/>
+              <a:t>Ramon </a:t>
+            </a:r>
+            <a:r>
+              <a:rPr lang="en-US" i="1" dirty="0" smtClean="0"/>
+              <a:t>Rodriguez</a:t>
+            </a:r>
+            <a:br>
+              <a:rPr lang="en-US" i="1" dirty="0" smtClean="0"/>
+            </a:br>
+            <a:r>
+              <a:rPr lang="en-US" i="1" dirty="0" err="1" smtClean="0"/>
+              <a:t>Anshul</a:t>
+            </a:r>
+            <a:r>
+              <a:rPr lang="en-US" i="1" dirty="0" smtClean="0"/>
+              <a:t> </a:t>
+            </a:r>
+            <a:r>
+              <a:rPr lang="en-US" i="1" dirty="0" smtClean="0"/>
+              <a:t>Shah</a:t>
             </a:r>
           </a:p>
         </p:txBody>
@@ -3562,7 +3573,7 @@
         </p:blipFill>
         <p:spPr bwMode="auto">
           <a:xfrm>
-            <a:off x="5559530" y="5029277"/>
+            <a:off x="5559530" y="5341885"/>
             <a:ext cx="1143000" cy="1076326"/>
           </a:xfrm>
           <a:prstGeom prst="rect">
@@ -3570,7 +3581,7 @@
           </a:prstGeom>
           <a:noFill/>
           <a:extLst>
-            <a:ext uri="{909E8E84-426E-40DD-AFC4-6F175D3DCCD1}">
+            <a:ext uri="{909E8E84-426E-40dd-AFC4-6F175D3DCCD1}">
               <a14:hiddenFill xmlns:a14="http://schemas.microsoft.com/office/drawing/2010/main">
                 <a:solidFill>
                   <a:srgbClr val="FFFFFF"/>
@@ -3659,7 +3670,7 @@
         </p:blipFill>
         <p:spPr>
           <a:xfrm>
-            <a:off x="381068" y="1704411"/>
+            <a:off x="381068" y="1724567"/>
             <a:ext cx="11410905" cy="4733863"/>
           </a:xfrm>
           <a:prstGeom prst="rect">
@@ -3681,6 +3692,12 @@
           <a:prstGeom prst="roundRect">
             <a:avLst/>
           </a:prstGeom>
+          <a:solidFill>
+            <a:schemeClr val="accent1">
+              <a:lumMod val="60000"/>
+              <a:lumOff val="40000"/>
+            </a:schemeClr>
+          </a:solidFill>
         </p:spPr>
         <p:style>
           <a:lnRef idx="2">
@@ -3739,6 +3756,12 @@
           <a:prstGeom prst="roundRect">
             <a:avLst/>
           </a:prstGeom>
+          <a:solidFill>
+            <a:schemeClr val="accent1">
+              <a:lumMod val="60000"/>
+              <a:lumOff val="40000"/>
+            </a:schemeClr>
+          </a:solidFill>
         </p:spPr>
         <p:style>
           <a:lnRef idx="2">
@@ -3797,6 +3820,12 @@
           <a:prstGeom prst="roundRect">
             <a:avLst/>
           </a:prstGeom>
+          <a:solidFill>
+            <a:schemeClr val="accent1">
+              <a:lumMod val="60000"/>
+              <a:lumOff val="40000"/>
+            </a:schemeClr>
+          </a:solidFill>
         </p:spPr>
         <p:style>
           <a:lnRef idx="2">
@@ -3866,6 +3895,12 @@
           <a:prstGeom prst="roundRect">
             <a:avLst/>
           </a:prstGeom>
+          <a:solidFill>
+            <a:schemeClr val="accent1">
+              <a:lumMod val="60000"/>
+              <a:lumOff val="40000"/>
+            </a:schemeClr>
+          </a:solidFill>
         </p:spPr>
         <p:style>
           <a:lnRef idx="2">
@@ -4286,8 +4321,8 @@
         </p:blipFill>
         <p:spPr>
           <a:xfrm>
-            <a:off x="2188953" y="2593073"/>
-            <a:ext cx="7229475" cy="3133725"/>
+            <a:off x="1189463" y="2593073"/>
+            <a:ext cx="9152821" cy="3967428"/>
           </a:xfrm>
           <a:prstGeom prst="rect">
             <a:avLst/>
@@ -4302,12 +4337,18 @@
         </p:nvSpPr>
         <p:spPr>
           <a:xfrm>
-            <a:off x="764497" y="1881266"/>
-            <a:ext cx="3702571" cy="981855"/>
+            <a:off x="1229785" y="1780487"/>
+            <a:ext cx="8749612" cy="759140"/>
           </a:xfrm>
           <a:prstGeom prst="roundRect">
             <a:avLst/>
           </a:prstGeom>
+          <a:solidFill>
+            <a:schemeClr val="accent1">
+              <a:lumMod val="60000"/>
+              <a:lumOff val="40000"/>
+            </a:schemeClr>
+          </a:solidFill>
         </p:spPr>
         <p:style>
           <a:lnRef idx="2">
@@ -4331,7 +4372,7 @@
           <a:p>
             <a:pPr algn="ctr"/>
             <a:r>
-              <a:rPr lang="en-US" b="1" dirty="0">
+              <a:rPr lang="en-US" sz="2400" b="1" dirty="0" smtClean="0">
                 <a:solidFill>
                   <a:schemeClr val="tx1">
                     <a:lumMod val="95000"/>
@@ -4339,10 +4380,10 @@
                   </a:schemeClr>
                 </a:solidFill>
               </a:rPr>
-              <a:t>D</a:t>
-            </a:r>
-            <a:r>
-              <a:rPr lang="en-US" b="1" dirty="0" smtClean="0">
+              <a:t>Components </a:t>
+            </a:r>
+            <a:r>
+              <a:rPr lang="en-US" sz="2400" b="1" dirty="0" smtClean="0">
                 <a:solidFill>
                   <a:schemeClr val="tx1">
                     <a:lumMod val="95000"/>
@@ -4350,9 +4391,67 @@
                   </a:schemeClr>
                 </a:solidFill>
               </a:rPr>
-              <a:t>ifferent components of an enterprise messaging application for an automobile manufacturer:</a:t>
-            </a:r>
-            <a:endParaRPr lang="en-US" b="1" dirty="0">
+              <a:t>of </a:t>
+            </a:r>
+            <a:r>
+              <a:rPr lang="en-US" sz="2400" b="1" dirty="0" smtClean="0">
+                <a:solidFill>
+                  <a:schemeClr val="tx1">
+                    <a:lumMod val="95000"/>
+                    <a:lumOff val="5000"/>
+                  </a:schemeClr>
+                </a:solidFill>
+              </a:rPr>
+              <a:t>an enterprise messaging </a:t>
+            </a:r>
+            <a:r>
+              <a:rPr lang="en-US" sz="2400" b="1" dirty="0" smtClean="0">
+                <a:solidFill>
+                  <a:schemeClr val="tx1">
+                    <a:lumMod val="95000"/>
+                    <a:lumOff val="5000"/>
+                  </a:schemeClr>
+                </a:solidFill>
+              </a:rPr>
+              <a:t>application</a:t>
+            </a:r>
+          </a:p>
+          <a:p>
+            <a:pPr algn="ctr"/>
+            <a:r>
+              <a:rPr lang="en-US" sz="2400" b="1" dirty="0" smtClean="0">
+                <a:solidFill>
+                  <a:schemeClr val="tx1">
+                    <a:lumMod val="95000"/>
+                    <a:lumOff val="5000"/>
+                  </a:schemeClr>
+                </a:solidFill>
+              </a:rPr>
+              <a:t>for </a:t>
+            </a:r>
+            <a:r>
+              <a:rPr lang="en-US" sz="2400" b="1" dirty="0" smtClean="0">
+                <a:solidFill>
+                  <a:schemeClr val="tx1">
+                    <a:lumMod val="95000"/>
+                    <a:lumOff val="5000"/>
+                  </a:schemeClr>
+                </a:solidFill>
+              </a:rPr>
+              <a:t>an automobile </a:t>
+            </a:r>
+            <a:r>
+              <a:rPr lang="en-US" sz="2400" b="1" dirty="0" smtClean="0">
+                <a:solidFill>
+                  <a:schemeClr val="tx1">
+                    <a:lumMod val="95000"/>
+                    <a:lumOff val="5000"/>
+                  </a:schemeClr>
+                </a:solidFill>
+              </a:rPr>
+              <a:t>manufacturer</a:t>
+            </a:r>
+            <a:endParaRPr lang="en-US" sz="2400" b="1" dirty="0">
               <a:solidFill>
                 <a:schemeClr val="tx1">
                   <a:lumMod val="95000"/>
@@ -4418,58 +4517,14 @@
       </p:sp>
       <p:sp>
         <p:nvSpPr>
-          <p:cNvPr id="3" name="Oval 2"/>
+          <p:cNvPr id="6" name="Rounded Rectangle 5"/>
           <p:cNvSpPr/>
           <p:nvPr/>
         </p:nvSpPr>
         <p:spPr>
           <a:xfrm>
-            <a:off x="3838074" y="1965960"/>
-            <a:ext cx="2322094" cy="1078029"/>
-          </a:xfrm>
-          <a:prstGeom prst="ellipse">
-            <a:avLst/>
-          </a:prstGeom>
-        </p:spPr>
-        <p:style>
-          <a:lnRef idx="2">
-            <a:schemeClr val="accent1">
-              <a:shade val="50000"/>
-            </a:schemeClr>
-          </a:lnRef>
-          <a:fillRef idx="1">
-            <a:schemeClr val="accent1"/>
-          </a:fillRef>
-          <a:effectRef idx="0">
-            <a:schemeClr val="accent1"/>
-          </a:effectRef>
-          <a:fontRef idx="minor">
-            <a:schemeClr val="lt1"/>
-          </a:fontRef>
-        </p:style>
-        <p:txBody>
-          <a:bodyPr rtlCol="0" anchor="ctr"/>
-          <a:lstStyle/>
-          <a:p>
-            <a:pPr algn="ctr"/>
-            <a:r>
-              <a:rPr lang="en-US" sz="2400" dirty="0" smtClean="0"/>
-              <a:t>Messaging</a:t>
-            </a:r>
-            <a:endParaRPr lang="en-US" sz="2400" dirty="0"/>
-          </a:p>
-        </p:txBody>
-      </p:sp>
-      <p:sp>
-        <p:nvSpPr>
-          <p:cNvPr id="5" name="Rounded Rectangle 4"/>
-          <p:cNvSpPr/>
-          <p:nvPr/>
-        </p:nvSpPr>
-        <p:spPr>
-          <a:xfrm>
-            <a:off x="2177716" y="3429000"/>
-            <a:ext cx="1852863" cy="1094874"/>
+            <a:off x="5687029" y="3624380"/>
+            <a:ext cx="4492509" cy="1094874"/>
           </a:xfrm>
           <a:prstGeom prst="roundRect">
             <a:avLst/>
@@ -4497,23 +4552,215 @@
           <a:p>
             <a:pPr algn="ctr"/>
             <a:r>
-              <a:rPr lang="en-US" sz="2400" dirty="0" smtClean="0"/>
-              <a:t>PTP</a:t>
-            </a:r>
-            <a:endParaRPr lang="en-US" sz="2400" dirty="0"/>
-          </a:p>
-        </p:txBody>
-      </p:sp>
-      <p:sp>
-        <p:nvSpPr>
-          <p:cNvPr id="6" name="Rounded Rectangle 5"/>
+              <a:rPr lang="en-US" sz="2800" dirty="0" smtClean="0"/>
+              <a:t>Publish-</a:t>
+            </a:r>
+            <a:r>
+              <a:rPr lang="en-US" sz="2800" dirty="0" smtClean="0"/>
+              <a:t>Subscribe</a:t>
+            </a:r>
+            <a:endParaRPr lang="en-US" sz="2800" dirty="0"/>
+          </a:p>
+        </p:txBody>
+      </p:sp>
+      <p:sp>
+        <p:nvSpPr>
+          <p:cNvPr id="8" name="Rounded Rectangle 7"/>
           <p:cNvSpPr/>
           <p:nvPr/>
         </p:nvSpPr>
         <p:spPr>
           <a:xfrm>
-            <a:off x="5843337" y="3429000"/>
-            <a:ext cx="1852863" cy="1094874"/>
+            <a:off x="8049846" y="4889650"/>
+            <a:ext cx="1979680" cy="998621"/>
+          </a:xfrm>
+          <a:prstGeom prst="roundRect">
+            <a:avLst/>
+          </a:prstGeom>
+          <a:solidFill>
+            <a:schemeClr val="accent4">
+              <a:lumMod val="20000"/>
+              <a:lumOff val="80000"/>
+            </a:schemeClr>
+          </a:solidFill>
+          <a:ln>
+            <a:solidFill>
+              <a:schemeClr val="accent4"/>
+            </a:solidFill>
+          </a:ln>
+        </p:spPr>
+        <p:style>
+          <a:lnRef idx="1">
+            <a:schemeClr val="accent3"/>
+          </a:lnRef>
+          <a:fillRef idx="2">
+            <a:schemeClr val="accent3"/>
+          </a:fillRef>
+          <a:effectRef idx="1">
+            <a:schemeClr val="accent3"/>
+          </a:effectRef>
+          <a:fontRef idx="minor">
+            <a:schemeClr val="dk1"/>
+          </a:fontRef>
+        </p:style>
+        <p:txBody>
+          <a:bodyPr rtlCol="0" anchor="ctr"/>
+          <a:lstStyle/>
+          <a:p>
+            <a:pPr algn="ctr"/>
+            <a:r>
+              <a:rPr lang="en-US" sz="2400" dirty="0" smtClean="0"/>
+              <a:t>Non-Durable</a:t>
+            </a:r>
+            <a:endParaRPr lang="en-US" sz="2400" dirty="0"/>
+          </a:p>
+        </p:txBody>
+      </p:sp>
+      <p:sp>
+        <p:nvSpPr>
+          <p:cNvPr id="4" name="TextBox 3"/>
+          <p:cNvSpPr txBox="1"/>
+          <p:nvPr/>
+        </p:nvSpPr>
+        <p:spPr>
+          <a:xfrm>
+            <a:off x="2381854" y="3186111"/>
+            <a:ext cx="1844800" cy="400110"/>
+          </a:xfrm>
+          <a:prstGeom prst="rect">
+            <a:avLst/>
+          </a:prstGeom>
+          <a:noFill/>
+        </p:spPr>
+        <p:txBody>
+          <a:bodyPr wrap="none" rtlCol="0">
+            <a:spAutoFit/>
+          </a:bodyPr>
+          <a:lstStyle/>
+          <a:p>
+            <a:r>
+              <a:rPr lang="en-US" sz="2000" b="1" dirty="0" smtClean="0"/>
+              <a:t>“Like a Queue”</a:t>
+            </a:r>
+            <a:endParaRPr lang="en-US" sz="2000" b="1" dirty="0"/>
+          </a:p>
+        </p:txBody>
+      </p:sp>
+      <p:sp>
+        <p:nvSpPr>
+          <p:cNvPr id="13" name="TextBox 12"/>
+          <p:cNvSpPr txBox="1"/>
+          <p:nvPr/>
+        </p:nvSpPr>
+        <p:spPr>
+          <a:xfrm>
+            <a:off x="5724760" y="3208061"/>
+            <a:ext cx="4376615" cy="400110"/>
+          </a:xfrm>
+          <a:prstGeom prst="rect">
+            <a:avLst/>
+          </a:prstGeom>
+          <a:noFill/>
+        </p:spPr>
+        <p:txBody>
+          <a:bodyPr wrap="square" rtlCol="0">
+            <a:spAutoFit/>
+          </a:bodyPr>
+          <a:lstStyle/>
+          <a:p>
+            <a:pPr algn="ctr"/>
+            <a:r>
+              <a:rPr lang="en-US" sz="2000" b="1" dirty="0" smtClean="0"/>
+              <a:t>“Like a </a:t>
+            </a:r>
+            <a:r>
+              <a:rPr lang="en-US" sz="2000" b="1" dirty="0" smtClean="0"/>
+              <a:t>newsletter</a:t>
+            </a:r>
+            <a:r>
+              <a:rPr lang="en-US" sz="2000" b="1" dirty="0"/>
+              <a:t> </a:t>
+            </a:r>
+            <a:r>
+              <a:rPr lang="en-US" sz="2000" b="1" dirty="0" smtClean="0"/>
+              <a:t>or </a:t>
+            </a:r>
+            <a:r>
+              <a:rPr lang="en-US" sz="2000" b="1" dirty="0" smtClean="0"/>
+              <a:t>bulletin </a:t>
+            </a:r>
+            <a:r>
+              <a:rPr lang="en-US" sz="2000" b="1" dirty="0" smtClean="0"/>
+              <a:t>board”</a:t>
+            </a:r>
+            <a:endParaRPr lang="en-US" sz="2000" b="1" dirty="0"/>
+          </a:p>
+        </p:txBody>
+      </p:sp>
+      <p:sp>
+        <p:nvSpPr>
+          <p:cNvPr id="17" name="Rounded Rectangle 16"/>
+          <p:cNvSpPr/>
+          <p:nvPr/>
+        </p:nvSpPr>
+        <p:spPr>
+          <a:xfrm>
+            <a:off x="1094154" y="1979249"/>
+            <a:ext cx="9085384" cy="1094874"/>
+          </a:xfrm>
+          <a:prstGeom prst="roundRect">
+            <a:avLst/>
+          </a:prstGeom>
+          <a:solidFill>
+            <a:schemeClr val="accent1"/>
+          </a:solidFill>
+          <a:ln>
+            <a:solidFill>
+              <a:schemeClr val="accent1">
+                <a:lumMod val="75000"/>
+              </a:schemeClr>
+            </a:solidFill>
+          </a:ln>
+        </p:spPr>
+        <p:style>
+          <a:lnRef idx="2">
+            <a:schemeClr val="accent4">
+              <a:shade val="50000"/>
+            </a:schemeClr>
+          </a:lnRef>
+          <a:fillRef idx="1">
+            <a:schemeClr val="accent4"/>
+          </a:fillRef>
+          <a:effectRef idx="0">
+            <a:schemeClr val="accent4"/>
+          </a:effectRef>
+          <a:fontRef idx="minor">
+            <a:schemeClr val="lt1"/>
+          </a:fontRef>
+        </p:style>
+        <p:txBody>
+          <a:bodyPr rtlCol="0" anchor="ctr"/>
+          <a:lstStyle/>
+          <a:p>
+            <a:pPr algn="ctr"/>
+            <a:r>
+              <a:rPr lang="en-US" sz="3200" dirty="0" smtClean="0"/>
+              <a:t>Messaging</a:t>
+            </a:r>
+            <a:endParaRPr lang="en-US" sz="3200" dirty="0"/>
+          </a:p>
+        </p:txBody>
+      </p:sp>
+      <p:sp>
+        <p:nvSpPr>
+          <p:cNvPr id="18" name="Rounded Rectangle 17"/>
+          <p:cNvSpPr/>
+          <p:nvPr/>
+        </p:nvSpPr>
+        <p:spPr>
+          <a:xfrm>
+            <a:off x="1052506" y="3620473"/>
+            <a:ext cx="4492509" cy="1094874"/>
           </a:xfrm>
           <a:prstGeom prst="roundRect">
             <a:avLst/>
@@ -4541,27 +4788,38 @@
           <a:p>
             <a:pPr algn="ctr"/>
             <a:r>
-              <a:rPr lang="en-US" sz="2400" dirty="0" smtClean="0"/>
-              <a:t>Pub/Sub</a:t>
-            </a:r>
-            <a:endParaRPr lang="en-US" sz="2400" dirty="0"/>
-          </a:p>
-        </p:txBody>
-      </p:sp>
-      <p:sp>
-        <p:nvSpPr>
-          <p:cNvPr id="7" name="Rounded Rectangle 6"/>
+              <a:rPr lang="en-US" sz="2800" dirty="0" smtClean="0"/>
+              <a:t>Point-to-Point</a:t>
+            </a:r>
+            <a:endParaRPr lang="en-US" sz="2800" dirty="0"/>
+          </a:p>
+        </p:txBody>
+      </p:sp>
+      <p:sp>
+        <p:nvSpPr>
+          <p:cNvPr id="19" name="Rounded Rectangle 18"/>
           <p:cNvSpPr/>
           <p:nvPr/>
         </p:nvSpPr>
         <p:spPr>
           <a:xfrm>
-            <a:off x="4785761" y="5378115"/>
-            <a:ext cx="1882942" cy="998621"/>
+            <a:off x="5916300" y="4905284"/>
+            <a:ext cx="1979680" cy="998621"/>
           </a:xfrm>
           <a:prstGeom prst="roundRect">
             <a:avLst/>
           </a:prstGeom>
+          <a:solidFill>
+            <a:schemeClr val="accent4">
+              <a:lumMod val="20000"/>
+              <a:lumOff val="80000"/>
+            </a:schemeClr>
+          </a:solidFill>
+          <a:ln>
+            <a:solidFill>
+              <a:schemeClr val="accent4"/>
+            </a:solidFill>
+          </a:ln>
         </p:spPr>
         <p:style>
           <a:lnRef idx="1">
@@ -4583,326 +4841,17 @@
           <a:p>
             <a:pPr algn="ctr"/>
             <a:r>
-              <a:rPr lang="en-US" sz="2000" dirty="0" smtClean="0"/>
+              <a:rPr lang="en-US" sz="2400" dirty="0" smtClean="0"/>
               <a:t>Durable</a:t>
             </a:r>
-            <a:endParaRPr lang="en-US" sz="2000" dirty="0"/>
-          </a:p>
-        </p:txBody>
-      </p:sp>
-      <p:sp>
-        <p:nvSpPr>
-          <p:cNvPr id="8" name="Rounded Rectangle 7"/>
-          <p:cNvSpPr/>
-          <p:nvPr/>
-        </p:nvSpPr>
-        <p:spPr>
-          <a:xfrm>
-            <a:off x="7150119" y="5378115"/>
-            <a:ext cx="1882942" cy="998621"/>
-          </a:xfrm>
-          <a:prstGeom prst="roundRect">
-            <a:avLst/>
-          </a:prstGeom>
-        </p:spPr>
-        <p:style>
-          <a:lnRef idx="1">
-            <a:schemeClr val="accent3"/>
-          </a:lnRef>
-          <a:fillRef idx="2">
-            <a:schemeClr val="accent3"/>
-          </a:fillRef>
-          <a:effectRef idx="1">
-            <a:schemeClr val="accent3"/>
-          </a:effectRef>
-          <a:fontRef idx="minor">
-            <a:schemeClr val="dk1"/>
-          </a:fontRef>
-        </p:style>
-        <p:txBody>
-          <a:bodyPr rtlCol="0" anchor="ctr"/>
-          <a:lstStyle/>
-          <a:p>
-            <a:pPr algn="ctr"/>
-            <a:r>
-              <a:rPr lang="en-US" sz="2000" dirty="0" smtClean="0"/>
-              <a:t>Non-Durable</a:t>
-            </a:r>
-            <a:endParaRPr lang="en-US" sz="2000" dirty="0"/>
-          </a:p>
-        </p:txBody>
-      </p:sp>
-      <p:sp>
-        <p:nvSpPr>
-          <p:cNvPr id="10" name="Down Arrow 9"/>
-          <p:cNvSpPr/>
-          <p:nvPr/>
-        </p:nvSpPr>
-        <p:spPr>
-          <a:xfrm rot="2282893">
-            <a:off x="3485277" y="2722502"/>
-            <a:ext cx="325981" cy="678093"/>
-          </a:xfrm>
-          <a:prstGeom prst="downArrow">
-            <a:avLst>
-              <a:gd name="adj1" fmla="val 50000"/>
-              <a:gd name="adj2" fmla="val 86824"/>
-            </a:avLst>
-          </a:prstGeom>
-          <a:solidFill>
-            <a:schemeClr val="tx1">
-              <a:lumMod val="65000"/>
-              <a:lumOff val="35000"/>
-            </a:schemeClr>
-          </a:solidFill>
-        </p:spPr>
-        <p:style>
-          <a:lnRef idx="2">
-            <a:schemeClr val="accent1">
-              <a:shade val="50000"/>
-            </a:schemeClr>
-          </a:lnRef>
-          <a:fillRef idx="1">
-            <a:schemeClr val="accent1"/>
-          </a:fillRef>
-          <a:effectRef idx="0">
-            <a:schemeClr val="accent1"/>
-          </a:effectRef>
-          <a:fontRef idx="minor">
-            <a:schemeClr val="lt1"/>
-          </a:fontRef>
-        </p:style>
-        <p:txBody>
-          <a:bodyPr rtlCol="0" anchor="ctr"/>
-          <a:lstStyle/>
-          <a:p>
-            <a:pPr algn="ctr"/>
-            <a:endParaRPr lang="en-US"/>
-          </a:p>
-        </p:txBody>
-      </p:sp>
-      <p:sp>
-        <p:nvSpPr>
-          <p:cNvPr id="14" name="Down Arrow 13"/>
-          <p:cNvSpPr/>
-          <p:nvPr/>
-        </p:nvSpPr>
-        <p:spPr>
-          <a:xfrm rot="-2400000">
-            <a:off x="6251769" y="2704943"/>
-            <a:ext cx="325981" cy="678093"/>
-          </a:xfrm>
-          <a:prstGeom prst="downArrow">
-            <a:avLst>
-              <a:gd name="adj1" fmla="val 50000"/>
-              <a:gd name="adj2" fmla="val 86824"/>
-            </a:avLst>
-          </a:prstGeom>
-          <a:solidFill>
-            <a:schemeClr val="tx1">
-              <a:lumMod val="65000"/>
-              <a:lumOff val="35000"/>
-            </a:schemeClr>
-          </a:solidFill>
-        </p:spPr>
-        <p:style>
-          <a:lnRef idx="2">
-            <a:schemeClr val="accent1">
-              <a:shade val="50000"/>
-            </a:schemeClr>
-          </a:lnRef>
-          <a:fillRef idx="1">
-            <a:schemeClr val="accent1"/>
-          </a:fillRef>
-          <a:effectRef idx="0">
-            <a:schemeClr val="accent1"/>
-          </a:effectRef>
-          <a:fontRef idx="minor">
-            <a:schemeClr val="lt1"/>
-          </a:fontRef>
-        </p:style>
-        <p:txBody>
-          <a:bodyPr rtlCol="0" anchor="ctr"/>
-          <a:lstStyle/>
-          <a:p>
-            <a:pPr algn="ctr"/>
-            <a:endParaRPr lang="en-US"/>
-          </a:p>
-        </p:txBody>
-      </p:sp>
-      <p:sp>
-        <p:nvSpPr>
-          <p:cNvPr id="15" name="Down Arrow 14"/>
-          <p:cNvSpPr/>
-          <p:nvPr/>
-        </p:nvSpPr>
-        <p:spPr>
-          <a:xfrm rot="2282893">
-            <a:off x="5817738" y="4677534"/>
-            <a:ext cx="325981" cy="678093"/>
-          </a:xfrm>
-          <a:prstGeom prst="downArrow">
-            <a:avLst>
-              <a:gd name="adj1" fmla="val 50000"/>
-              <a:gd name="adj2" fmla="val 86824"/>
-            </a:avLst>
-          </a:prstGeom>
-          <a:solidFill>
-            <a:schemeClr val="tx1">
-              <a:lumMod val="65000"/>
-              <a:lumOff val="35000"/>
-            </a:schemeClr>
-          </a:solidFill>
-        </p:spPr>
-        <p:style>
-          <a:lnRef idx="2">
-            <a:schemeClr val="accent1">
-              <a:shade val="50000"/>
-            </a:schemeClr>
-          </a:lnRef>
-          <a:fillRef idx="1">
-            <a:schemeClr val="accent1"/>
-          </a:fillRef>
-          <a:effectRef idx="0">
-            <a:schemeClr val="accent1"/>
-          </a:effectRef>
-          <a:fontRef idx="minor">
-            <a:schemeClr val="lt1"/>
-          </a:fontRef>
-        </p:style>
-        <p:txBody>
-          <a:bodyPr rtlCol="0" anchor="ctr"/>
-          <a:lstStyle/>
-          <a:p>
-            <a:pPr algn="ctr"/>
-            <a:endParaRPr lang="en-US"/>
-          </a:p>
-        </p:txBody>
-      </p:sp>
-      <p:sp>
-        <p:nvSpPr>
-          <p:cNvPr id="16" name="Down Arrow 15"/>
-          <p:cNvSpPr/>
-          <p:nvPr/>
-        </p:nvSpPr>
-        <p:spPr>
-          <a:xfrm rot="-2400000">
-            <a:off x="7449497" y="4674573"/>
-            <a:ext cx="325981" cy="678093"/>
-          </a:xfrm>
-          <a:prstGeom prst="downArrow">
-            <a:avLst>
-              <a:gd name="adj1" fmla="val 50000"/>
-              <a:gd name="adj2" fmla="val 86824"/>
-            </a:avLst>
-          </a:prstGeom>
-          <a:solidFill>
-            <a:schemeClr val="tx1">
-              <a:lumMod val="65000"/>
-              <a:lumOff val="35000"/>
-            </a:schemeClr>
-          </a:solidFill>
-        </p:spPr>
-        <p:style>
-          <a:lnRef idx="2">
-            <a:schemeClr val="accent1">
-              <a:shade val="50000"/>
-            </a:schemeClr>
-          </a:lnRef>
-          <a:fillRef idx="1">
-            <a:schemeClr val="accent1"/>
-          </a:fillRef>
-          <a:effectRef idx="0">
-            <a:schemeClr val="accent1"/>
-          </a:effectRef>
-          <a:fontRef idx="minor">
-            <a:schemeClr val="lt1"/>
-          </a:fontRef>
-        </p:style>
-        <p:txBody>
-          <a:bodyPr rtlCol="0" anchor="ctr"/>
-          <a:lstStyle/>
-          <a:p>
-            <a:pPr algn="ctr"/>
-            <a:endParaRPr lang="en-US"/>
-          </a:p>
-        </p:txBody>
-      </p:sp>
-      <p:sp>
-        <p:nvSpPr>
-          <p:cNvPr id="4" name="TextBox 3"/>
-          <p:cNvSpPr txBox="1"/>
-          <p:nvPr/>
-        </p:nvSpPr>
-        <p:spPr>
-          <a:xfrm>
-            <a:off x="349856" y="3791771"/>
-            <a:ext cx="1844800" cy="400110"/>
-          </a:xfrm>
-          <a:prstGeom prst="rect">
-            <a:avLst/>
-          </a:prstGeom>
-          <a:noFill/>
-        </p:spPr>
-        <p:txBody>
-          <a:bodyPr wrap="none" rtlCol="0">
-            <a:spAutoFit/>
-          </a:bodyPr>
-          <a:lstStyle/>
-          <a:p>
-            <a:r>
-              <a:rPr lang="en-US" sz="2000" b="1" dirty="0" smtClean="0"/>
-              <a:t>“Like a Queue”</a:t>
-            </a:r>
-            <a:endParaRPr lang="en-US" sz="2000" b="1" dirty="0"/>
-          </a:p>
-        </p:txBody>
-      </p:sp>
-      <p:sp>
-        <p:nvSpPr>
-          <p:cNvPr id="13" name="TextBox 12"/>
-          <p:cNvSpPr txBox="1"/>
-          <p:nvPr/>
-        </p:nvSpPr>
-        <p:spPr>
-          <a:xfrm>
-            <a:off x="7723879" y="3637883"/>
-            <a:ext cx="2263568" cy="707886"/>
-          </a:xfrm>
-          <a:prstGeom prst="rect">
-            <a:avLst/>
-          </a:prstGeom>
-          <a:noFill/>
-        </p:spPr>
-        <p:txBody>
-          <a:bodyPr wrap="none" rtlCol="0">
-            <a:spAutoFit/>
-          </a:bodyPr>
-          <a:lstStyle/>
-          <a:p>
-            <a:r>
-              <a:rPr lang="en-US" sz="2000" b="1" dirty="0" smtClean="0"/>
-              <a:t>“Like a newsletter/</a:t>
-            </a:r>
-          </a:p>
-          <a:p>
-            <a:pPr algn="ctr"/>
-            <a:r>
-              <a:rPr lang="en-US" sz="2000" b="1" dirty="0"/>
-              <a:t>b</a:t>
-            </a:r>
-            <a:r>
-              <a:rPr lang="en-US" sz="2000" b="1" dirty="0" smtClean="0"/>
-              <a:t>ulletin board”</a:t>
-            </a:r>
-            <a:endParaRPr lang="en-US" sz="2000" b="1" dirty="0"/>
+            <a:endParaRPr lang="en-US" sz="2400" dirty="0"/>
           </a:p>
         </p:txBody>
       </p:sp>
     </p:spTree>
     <p:extLst>
       <p:ext uri="{BB962C8B-B14F-4D97-AF65-F5344CB8AC3E}">
-        <p14:creationId xmlns:p14="http://schemas.microsoft.com/office/powerpoint/2010/main" val="1501468196"/>
+        <p14:creationId xmlns:p14="http://schemas.microsoft.com/office/powerpoint/2010/main" val="2953093574"/>
       </p:ext>
     </p:extLst>
   </p:cSld>
@@ -5303,7 +5252,12 @@
             <p:ph type="title"/>
           </p:nvPr>
         </p:nvSpPr>
-        <p:spPr/>
+        <p:spPr>
+          <a:xfrm>
+            <a:off x="1143000" y="609600"/>
+            <a:ext cx="9875520" cy="1356360"/>
+          </a:xfrm>
+        </p:spPr>
         <p:txBody>
           <a:bodyPr/>
           <a:lstStyle/>
@@ -5347,7 +5301,7 @@
           </a:prstGeom>
           <a:noFill/>
           <a:extLst>
-            <a:ext uri="{909E8E84-426E-40DD-AFC4-6F175D3DCCD1}">
+            <a:ext uri="{909E8E84-426E-40dd-AFC4-6F175D3DCCD1}">
               <a14:hiddenFill xmlns:a14="http://schemas.microsoft.com/office/drawing/2010/main">
                 <a:solidFill>
                   <a:srgbClr val="FFFFFF"/>
@@ -5374,63 +5328,65 @@
           </a:xfrm>
         </p:spPr>
         <p:txBody>
-          <a:bodyPr/>
+          <a:bodyPr>
+            <a:normAutofit/>
+          </a:bodyPr>
           <a:lstStyle/>
           <a:p>
             <a:r>
-              <a:rPr lang="en-US" b="1" dirty="0" smtClean="0"/>
+              <a:rPr lang="en-US" sz="2400" b="1" dirty="0" smtClean="0"/>
               <a:t>Connection Factory </a:t>
             </a:r>
             <a:r>
-              <a:rPr lang="en-US" b="1" dirty="0" smtClean="0">
+              <a:rPr lang="en-US" sz="2400" b="1" dirty="0" smtClean="0">
                 <a:sym typeface="Wingdings" panose="05000000000000000000" pitchFamily="2" charset="2"/>
               </a:rPr>
               <a:t></a:t>
             </a:r>
             <a:r>
-              <a:rPr lang="en-US" b="1" dirty="0" smtClean="0"/>
+              <a:rPr lang="en-US" sz="2400" b="1" dirty="0" smtClean="0"/>
               <a:t> </a:t>
             </a:r>
           </a:p>
           <a:p>
             <a:r>
-              <a:rPr lang="en-US" b="1" dirty="0" smtClean="0"/>
+              <a:rPr lang="en-US" sz="2400" b="1" dirty="0" smtClean="0"/>
               <a:t>Connection </a:t>
             </a:r>
             <a:r>
-              <a:rPr lang="en-US" b="1" dirty="0" smtClean="0">
+              <a:rPr lang="en-US" sz="2400" b="1" dirty="0" smtClean="0">
                 <a:sym typeface="Wingdings" panose="05000000000000000000" pitchFamily="2" charset="2"/>
               </a:rPr>
               <a:t> </a:t>
             </a:r>
             <a:r>
-              <a:rPr lang="en-US" b="1" dirty="0" smtClean="0"/>
+              <a:rPr lang="en-US" sz="2400" b="1" dirty="0" smtClean="0"/>
               <a:t> </a:t>
             </a:r>
           </a:p>
           <a:p>
             <a:r>
-              <a:rPr lang="en-US" b="1" dirty="0" smtClean="0"/>
+              <a:rPr lang="en-US" sz="2400" b="1" dirty="0" smtClean="0"/>
               <a:t>Session </a:t>
             </a:r>
             <a:r>
-              <a:rPr lang="en-US" b="1" dirty="0" smtClean="0">
+              <a:rPr lang="en-US" sz="2400" b="1" dirty="0" smtClean="0">
                 <a:sym typeface="Wingdings" panose="05000000000000000000" pitchFamily="2" charset="2"/>
               </a:rPr>
               <a:t></a:t>
             </a:r>
             <a:r>
-              <a:rPr lang="en-US" b="1" dirty="0" smtClean="0"/>
+              <a:rPr lang="en-US" sz="2400" b="1" dirty="0" smtClean="0"/>
               <a:t> </a:t>
             </a:r>
           </a:p>
           <a:p>
             <a:r>
-              <a:rPr lang="en-US" b="1" dirty="0" smtClean="0"/>
+              <a:rPr lang="en-US" sz="2400" b="1" dirty="0" smtClean="0"/>
               <a:t>Message Producer/Consumer </a:t>
             </a:r>
             <a:r>
-              <a:rPr lang="en-US" b="1" dirty="0" smtClean="0">
+              <a:rPr lang="en-US" sz="2400" b="1" dirty="0" smtClean="0">
                 <a:sym typeface="Wingdings" panose="05000000000000000000" pitchFamily="2" charset="2"/>
               </a:rPr>
               <a:t></a:t>
@@ -5438,10 +5394,10 @@
           </a:p>
           <a:p>
             <a:r>
-              <a:rPr lang="en-US" b="1" dirty="0" smtClean="0"/>
+              <a:rPr lang="en-US" sz="2400" b="1" dirty="0" smtClean="0"/>
               <a:t>Send/Receive</a:t>
             </a:r>
-            <a:endParaRPr lang="en-US" b="1" dirty="0"/>
+            <a:endParaRPr lang="en-US" sz="2400" b="1" dirty="0"/>
           </a:p>
         </p:txBody>
       </p:sp>
@@ -5522,7 +5478,7 @@
           </a:ln>
           <a:effectLst/>
           <a:extLst>
-            <a:ext uri="{91240B29-F687-4F45-9708-019B960494DF}">
+            <a:ext uri="{91240B29-F687-4f45-9708-019B960494DF}">
               <a14:hiddenLine xmlns:a14="http://schemas.microsoft.com/office/drawing/2010/main" w="9525">
                 <a:solidFill>
                   <a:schemeClr val="tx1"/>
@@ -5532,7 +5488,7 @@
                 <a:tailEnd/>
               </a14:hiddenLine>
             </a:ext>
-            <a:ext uri="{AF507438-7753-43E0-B8FC-AC1667EBCBE1}">
+            <a:ext uri="{AF507438-7753-43e0-B8FC-AC1667EBCBE1}">
               <a14:hiddenEffects xmlns:a14="http://schemas.microsoft.com/office/drawing/2010/main">
                 <a:effectLst>
                   <a:outerShdw dist="35921" dir="2700000" algn="ctr" rotWithShape="0">
@@ -6169,7 +6125,7 @@
           </a:ln>
           <a:effectLst/>
           <a:extLst>
-            <a:ext uri="{91240B29-F687-4F45-9708-019B960494DF}">
+            <a:ext uri="{91240B29-F687-4f45-9708-019B960494DF}">
               <a14:hiddenLine xmlns:a14="http://schemas.microsoft.com/office/drawing/2010/main" w="9525">
                 <a:solidFill>
                   <a:schemeClr val="tx1"/>
@@ -6179,7 +6135,7 @@
                 <a:tailEnd/>
               </a14:hiddenLine>
             </a:ext>
-            <a:ext uri="{AF507438-7753-43E0-B8FC-AC1667EBCBE1}">
+            <a:ext uri="{AF507438-7753-43e0-B8FC-AC1667EBCBE1}">
               <a14:hiddenEffects xmlns:a14="http://schemas.microsoft.com/office/drawing/2010/main">
                 <a:effectLst>
                   <a:outerShdw dist="35921" dir="2700000" algn="ctr" rotWithShape="0">
@@ -6764,7 +6720,17 @@
                 <a:latin typeface="Courier New" panose="02070309020205020404" pitchFamily="49" charset="0"/>
                 <a:cs typeface="Courier New" panose="02070309020205020404" pitchFamily="49" charset="0"/>
               </a:rPr>
-              <a:t>//create a destination </a:t>
+              <a:t>//create a destination object</a:t>
+            </a:r>
+            <a:r>
+              <a:rPr lang="en-US" altLang="en-US" sz="1800" i="1" dirty="0">
+                <a:solidFill>
+                  <a:srgbClr val="808080"/>
+                </a:solidFill>
+                <a:latin typeface="Courier New" panose="02070309020205020404" pitchFamily="49" charset="0"/>
+                <a:cs typeface="Courier New" panose="02070309020205020404" pitchFamily="49" charset="0"/>
+              </a:rPr>
+              <a:t> </a:t>
             </a:r>
             <a:r>
               <a:rPr kumimoji="0" lang="en-US" altLang="en-US" sz="1800" b="0" i="1" u="none" strike="noStrike" cap="none" normalizeH="0" baseline="0" dirty="0" smtClean="0">
@@ -6778,45 +6744,7 @@
                 <a:latin typeface="Courier New" panose="02070309020205020404" pitchFamily="49" charset="0"/>
                 <a:cs typeface="Courier New" panose="02070309020205020404" pitchFamily="49" charset="0"/>
               </a:rPr>
-              <a:t>object</a:t>
-            </a:r>
-            <a:r>
-              <a:rPr lang="en-US" altLang="en-US" sz="1800" i="1" dirty="0">
-                <a:solidFill>
-                  <a:srgbClr val="808080"/>
-                </a:solidFill>
-                <a:latin typeface="Courier New" panose="02070309020205020404" pitchFamily="49" charset="0"/>
-                <a:cs typeface="Courier New" panose="02070309020205020404" pitchFamily="49" charset="0"/>
-              </a:rPr>
-              <a:t> </a:t>
-            </a:r>
-            <a:r>
-              <a:rPr kumimoji="0" lang="en-US" altLang="en-US" sz="1800" b="0" i="1" u="none" strike="noStrike" cap="none" normalizeH="0" baseline="0" dirty="0" smtClean="0">
-                <a:ln>
-                  <a:noFill/>
-                </a:ln>
-                <a:solidFill>
-                  <a:srgbClr val="808080"/>
-                </a:solidFill>
-                <a:effectLst/>
-                <a:latin typeface="Courier New" panose="02070309020205020404" pitchFamily="49" charset="0"/>
-                <a:cs typeface="Courier New" panose="02070309020205020404" pitchFamily="49" charset="0"/>
-              </a:rPr>
-              <a:t>for </a:t>
-            </a:r>
-            <a:r>
-              <a:rPr kumimoji="0" lang="en-US" altLang="en-US" sz="1800" b="0" i="1" u="none" strike="noStrike" cap="none" normalizeH="0" baseline="0" dirty="0" smtClean="0">
-                <a:ln>
-                  <a:noFill/>
-                </a:ln>
-                <a:solidFill>
-                  <a:srgbClr val="808080"/>
-                </a:solidFill>
-                <a:effectLst/>
-                <a:latin typeface="Courier New" panose="02070309020205020404" pitchFamily="49" charset="0"/>
-                <a:cs typeface="Courier New" panose="02070309020205020404" pitchFamily="49" charset="0"/>
-              </a:rPr>
-              <a:t>Point-to-Point</a:t>
+              <a:t>for Point-to-Point</a:t>
             </a:r>
             <a:br>
               <a:rPr kumimoji="0" lang="en-US" altLang="en-US" sz="1800" b="0" i="1" u="none" strike="noStrike" cap="none" normalizeH="0" baseline="0" dirty="0" smtClean="0">
@@ -7185,7 +7113,7 @@
           </a:ln>
           <a:effectLst/>
           <a:extLst>
-            <a:ext uri="{91240B29-F687-4F45-9708-019B960494DF}">
+            <a:ext uri="{91240B29-F687-4f45-9708-019B960494DF}">
               <a14:hiddenLine xmlns:a14="http://schemas.microsoft.com/office/drawing/2010/main" w="9525">
                 <a:solidFill>
                   <a:schemeClr val="tx1"/>
@@ -7195,7 +7123,7 @@
                 <a:tailEnd/>
               </a14:hiddenLine>
             </a:ext>
-            <a:ext uri="{AF507438-7753-43E0-B8FC-AC1667EBCBE1}">
+            <a:ext uri="{AF507438-7753-43e0-B8FC-AC1667EBCBE1}">
               <a14:hiddenEffects xmlns:a14="http://schemas.microsoft.com/office/drawing/2010/main">
                 <a:effectLst>
                   <a:outerShdw dist="35921" dir="2700000" algn="ctr" rotWithShape="0">
@@ -7970,7 +7898,7 @@
           </a:ln>
           <a:effectLst/>
           <a:extLst>
-            <a:ext uri="{91240B29-F687-4F45-9708-019B960494DF}">
+            <a:ext uri="{91240B29-F687-4f45-9708-019B960494DF}">
               <a14:hiddenLine xmlns:a14="http://schemas.microsoft.com/office/drawing/2010/main" w="9525">
                 <a:solidFill>
                   <a:schemeClr val="tx1"/>
@@ -7980,7 +7908,7 @@
                 <a:tailEnd/>
               </a14:hiddenLine>
             </a:ext>
-            <a:ext uri="{AF507438-7753-43E0-B8FC-AC1667EBCBE1}">
+            <a:ext uri="{AF507438-7753-43e0-B8FC-AC1667EBCBE1}">
               <a14:hiddenEffects xmlns:a14="http://schemas.microsoft.com/office/drawing/2010/main">
                 <a:effectLst>
                   <a:outerShdw dist="35921" dir="2700000" algn="ctr" rotWithShape="0">
@@ -8642,7 +8570,6 @@
               <a:rPr lang="en-US" dirty="0" smtClean="0"/>
               <a:t>Messaging Uses </a:t>
             </a:r>
-            <a:endParaRPr lang="en-US" dirty="0" smtClean="0"/>
           </a:p>
           <a:p>
             <a:r>
@@ -8653,11 +8580,7 @@
           <a:p>
             <a:r>
               <a:rPr lang="en-US" dirty="0" smtClean="0"/>
-              <a:t>Message </a:t>
-            </a:r>
-            <a:r>
-              <a:rPr lang="en-US" dirty="0" smtClean="0"/>
-              <a:t>Oriented Middleware (</a:t>
+              <a:t>Message Oriented Middleware (</a:t>
             </a:r>
             <a:r>
               <a:rPr lang="en-US" dirty="0" err="1" smtClean="0"/>
@@ -8786,7 +8709,7 @@
           </a:ln>
           <a:effectLst/>
           <a:extLst>
-            <a:ext uri="{91240B29-F687-4F45-9708-019B960494DF}">
+            <a:ext uri="{91240B29-F687-4f45-9708-019B960494DF}">
               <a14:hiddenLine xmlns:a14="http://schemas.microsoft.com/office/drawing/2010/main" w="9525">
                 <a:solidFill>
                   <a:schemeClr val="tx1"/>
@@ -8796,7 +8719,7 @@
                 <a:tailEnd/>
               </a14:hiddenLine>
             </a:ext>
-            <a:ext uri="{AF507438-7753-43E0-B8FC-AC1667EBCBE1}">
+            <a:ext uri="{AF507438-7753-43e0-B8FC-AC1667EBCBE1}">
               <a14:hiddenEffects xmlns:a14="http://schemas.microsoft.com/office/drawing/2010/main">
                 <a:effectLst>
                   <a:outerShdw dist="35921" dir="2700000" algn="ctr" rotWithShape="0">
@@ -9072,17 +8995,7 @@
                 <a:latin typeface="Courier New" panose="02070309020205020404" pitchFamily="49" charset="0"/>
                 <a:cs typeface="Courier New" panose="02070309020205020404" pitchFamily="49" charset="0"/>
               </a:rPr>
-              <a:t> object with the </a:t>
-            </a:r>
-            <a:r>
-              <a:rPr lang="en-US" altLang="en-US" i="1" dirty="0" smtClean="0">
-                <a:solidFill>
-                  <a:srgbClr val="808080"/>
-                </a:solidFill>
-                <a:latin typeface="Courier New" panose="02070309020205020404" pitchFamily="49" charset="0"/>
-                <a:cs typeface="Courier New" panose="02070309020205020404" pitchFamily="49" charset="0"/>
-              </a:rPr>
-              <a:t>//message consumer</a:t>
+              <a:t> object with the //message consumer</a:t>
             </a:r>
             <a:r>
               <a:rPr lang="en-US" altLang="en-US" i="1" dirty="0">
@@ -9495,15 +9408,7 @@
           <a:p>
             <a:r>
               <a:rPr lang="en-US" dirty="0" smtClean="0"/>
-              <a:t>Spring </a:t>
-            </a:r>
-            <a:r>
-              <a:rPr lang="en-US" dirty="0" smtClean="0"/>
-              <a:t>Integration </a:t>
-            </a:r>
-            <a:r>
-              <a:rPr lang="en-US" dirty="0" smtClean="0"/>
-              <a:t>Framework</a:t>
+              <a:t>Spring Integration Framework</a:t>
             </a:r>
             <a:endParaRPr lang="en-US" dirty="0"/>
           </a:p>
@@ -9526,44 +9431,110 @@
           </a:xfrm>
         </p:spPr>
         <p:txBody>
-          <a:bodyPr/>
+          <a:bodyPr>
+            <a:normAutofit lnSpcReduction="10000"/>
+          </a:bodyPr>
           <a:lstStyle/>
           <a:p>
+            <a:pPr marL="45720" indent="0">
+              <a:buNone/>
+            </a:pPr>
             <a:r>
               <a:rPr lang="en-US" dirty="0" smtClean="0"/>
-              <a:t>Spring provides a JMS integration framework that simplifies the use of the JMS API</a:t>
-            </a:r>
-          </a:p>
-          <a:p>
+              <a:t>Spring provides a JMS integration framework that </a:t>
+            </a:r>
+            <a:r>
+              <a:rPr lang="en-US" b="1" u="sng" dirty="0" smtClean="0"/>
+              <a:t>simplifies</a:t>
+            </a:r>
             <a:r>
               <a:rPr lang="en-US" dirty="0" smtClean="0"/>
-              <a:t>JMS can be divided into 2 areas of functionality</a:t>
-            </a:r>
-          </a:p>
-          <a:p>
-            <a:pPr lvl="1"/>
+              <a:t> the use of the JMS API</a:t>
+            </a:r>
+          </a:p>
+          <a:p>
+            <a:pPr marL="45720" indent="0">
+              <a:buNone/>
+            </a:pPr>
+            <a:r>
+              <a:rPr lang="en-US" dirty="0"/>
+              <a:t/>
+            </a:r>
+            <a:br>
+              <a:rPr lang="en-US" dirty="0"/>
+            </a:br>
+            <a:r>
+              <a:rPr lang="en-US" dirty="0" smtClean="0"/>
+              <a:t>JMS </a:t>
+            </a:r>
+            <a:r>
+              <a:rPr lang="en-US" dirty="0" smtClean="0"/>
+              <a:t>can be divided into 2 areas of </a:t>
+            </a:r>
+            <a:r>
+              <a:rPr lang="en-US" dirty="0" smtClean="0"/>
+              <a:t>functionality:</a:t>
+            </a:r>
+            <a:endParaRPr lang="en-US" dirty="0" smtClean="0"/>
+          </a:p>
+          <a:p>
+            <a:pPr marL="730250" lvl="1" indent="-266700">
+              <a:buFont typeface="+mj-lt"/>
+              <a:buAutoNum type="arabicPeriod"/>
+            </a:pPr>
             <a:r>
               <a:rPr lang="en-US" dirty="0" smtClean="0"/>
               <a:t>Production of messages</a:t>
             </a:r>
           </a:p>
           <a:p>
-            <a:pPr lvl="1"/>
+            <a:pPr marL="730250" lvl="1" indent="-266700">
+              <a:buFont typeface="+mj-lt"/>
+              <a:buAutoNum type="arabicPeriod"/>
+            </a:pPr>
             <a:r>
               <a:rPr lang="en-US" dirty="0" smtClean="0"/>
               <a:t>Consumption of messages</a:t>
             </a:r>
           </a:p>
           <a:p>
+            <a:pPr marL="45720" indent="0">
+              <a:buNone/>
+            </a:pPr>
             <a:r>
               <a:rPr lang="en-US" dirty="0" smtClean="0"/>
-              <a:t>The JMS Template class is used for message production and synchronous message reception</a:t>
-            </a:r>
-          </a:p>
-          <a:p>
-            <a:r>
+              <a:t/>
+            </a:r>
+            <a:br>
               <a:rPr lang="en-US" dirty="0" smtClean="0"/>
-              <a:t>For asynchronous reception, Spring provides a number of message listener containers that are used to create Message-Driven POJOs (MDPs)</a:t>
+            </a:br>
+            <a:r>
+              <a:rPr lang="en-US" dirty="0" smtClean="0"/>
+              <a:t>The </a:t>
+            </a:r>
+            <a:r>
+              <a:rPr lang="en-US" dirty="0" smtClean="0"/>
+              <a:t>JMS Template class is used for message production and synchronous message reception</a:t>
+            </a:r>
+          </a:p>
+          <a:p>
+            <a:pPr marL="45720" indent="0">
+              <a:buNone/>
+            </a:pPr>
+            <a:r>
+              <a:rPr lang="en-US" dirty="0" smtClean="0"/>
+              <a:t/>
+            </a:r>
+            <a:br>
+              <a:rPr lang="en-US" dirty="0" smtClean="0"/>
+            </a:br>
+            <a:r>
+              <a:rPr lang="en-US" dirty="0" smtClean="0"/>
+              <a:t>For </a:t>
+            </a:r>
+            <a:r>
+              <a:rPr lang="en-US" dirty="0" smtClean="0"/>
+              <a:t>asynchronous reception, Spring provides a number of message listener containers that are used to create Message-Driven POJOs (MDPs)</a:t>
             </a:r>
           </a:p>
         </p:txBody>
@@ -9641,31 +9612,65 @@
           <a:bodyPr/>
           <a:lstStyle/>
           <a:p>
+            <a:pPr marL="45720" indent="0">
+              <a:buNone/>
+            </a:pPr>
             <a:r>
               <a:rPr lang="en-US" dirty="0" smtClean="0">
                 <a:solidFill>
                   <a:srgbClr val="0070C0"/>
                 </a:solidFill>
               </a:rPr>
-              <a:t>Open source licensing </a:t>
+              <a:t>Open source </a:t>
+            </a:r>
+            <a:r>
+              <a:rPr lang="en-US" dirty="0" smtClean="0">
+                <a:solidFill>
+                  <a:srgbClr val="0070C0"/>
+                </a:solidFill>
+              </a:rPr>
+              <a:t>licensing: </a:t>
             </a:r>
             <a:r>
               <a:rPr lang="en-US" dirty="0" smtClean="0"/>
-              <a:t>- both Spring and Camel are under the Apache License</a:t>
-            </a:r>
-          </a:p>
-          <a:p>
+              <a:t>both </a:t>
+            </a:r>
+            <a:r>
+              <a:rPr lang="en-US" dirty="0" smtClean="0"/>
+              <a:t>Spring and Camel are under the Apache License</a:t>
+            </a:r>
+          </a:p>
+          <a:p>
+            <a:pPr marL="45720" indent="0">
+              <a:buNone/>
+            </a:pPr>
             <a:r>
               <a:rPr lang="en-US" dirty="0" smtClean="0">
                 <a:solidFill>
                   <a:srgbClr val="0070C0"/>
                 </a:solidFill>
               </a:rPr>
-              <a:t>Commercial support available for both</a:t>
+              <a:t>Commercial support available for </a:t>
+            </a:r>
+            <a:r>
+              <a:rPr lang="en-US" dirty="0" smtClean="0">
+                <a:solidFill>
+                  <a:srgbClr val="0070C0"/>
+                </a:solidFill>
+              </a:rPr>
+              <a:t>both</a:t>
+            </a:r>
+            <a:r>
+              <a:rPr lang="en-US" dirty="0"/>
+              <a:t>:</a:t>
             </a:r>
             <a:r>
               <a:rPr lang="en-US" dirty="0" smtClean="0"/>
-              <a:t>; especially for integration frameworks, they are used in mission critical systems usually so the support is important</a:t>
+              <a:t> </a:t>
+            </a:r>
+            <a:r>
+              <a:rPr lang="en-US" dirty="0" smtClean="0"/>
+              <a:t>especially for integration frameworks, they are used in mission critical systems usually so the support is important</a:t>
             </a:r>
           </a:p>
           <a:p>
@@ -9704,7 +9709,7 @@
           </a:prstGeom>
           <a:noFill/>
           <a:extLst>
-            <a:ext uri="{909E8E84-426E-40DD-AFC4-6F175D3DCCD1}">
+            <a:ext uri="{909E8E84-426E-40dd-AFC4-6F175D3DCCD1}">
               <a14:hiddenFill xmlns:a14="http://schemas.microsoft.com/office/drawing/2010/main">
                 <a:solidFill>
                   <a:srgbClr val="FFFFFF"/>
@@ -9745,7 +9750,7 @@
           </a:prstGeom>
           <a:noFill/>
           <a:extLst>
-            <a:ext uri="{909E8E84-426E-40DD-AFC4-6F175D3DCCD1}">
+            <a:ext uri="{909E8E84-426E-40dd-AFC4-6F175D3DCCD1}">
               <a14:hiddenFill xmlns:a14="http://schemas.microsoft.com/office/drawing/2010/main">
                 <a:solidFill>
                   <a:srgbClr val="FFFFFF"/>
@@ -9786,7 +9791,7 @@
           </a:prstGeom>
           <a:noFill/>
           <a:extLst>
-            <a:ext uri="{909E8E84-426E-40DD-AFC4-6F175D3DCCD1}">
+            <a:ext uri="{909E8E84-426E-40dd-AFC4-6F175D3DCCD1}">
               <a14:hiddenFill xmlns:a14="http://schemas.microsoft.com/office/drawing/2010/main">
                 <a:solidFill>
                   <a:srgbClr val="FFFFFF"/>
@@ -9827,7 +9832,7 @@
           </a:prstGeom>
           <a:noFill/>
           <a:extLst>
-            <a:ext uri="{909E8E84-426E-40DD-AFC4-6F175D3DCCD1}">
+            <a:ext uri="{909E8E84-426E-40dd-AFC4-6F175D3DCCD1}">
               <a14:hiddenFill xmlns:a14="http://schemas.microsoft.com/office/drawing/2010/main">
                 <a:solidFill>
                   <a:srgbClr val="FFFFFF"/>
@@ -9868,7 +9873,7 @@
           </a:prstGeom>
           <a:noFill/>
           <a:extLst>
-            <a:ext uri="{909E8E84-426E-40DD-AFC4-6F175D3DCCD1}">
+            <a:ext uri="{909E8E84-426E-40dd-AFC4-6F175D3DCCD1}">
               <a14:hiddenFill xmlns:a14="http://schemas.microsoft.com/office/drawing/2010/main">
                 <a:solidFill>
                   <a:srgbClr val="FFFFFF"/>
@@ -9925,11 +9930,7 @@
           <a:p>
             <a:r>
               <a:rPr lang="en-US" dirty="0" smtClean="0"/>
-              <a:t>Integration for Spring </a:t>
-            </a:r>
-            <a:r>
-              <a:rPr lang="en-US" dirty="0" smtClean="0"/>
-              <a:t>and Camel - Differences</a:t>
+              <a:t>Integration for Spring and Camel - Differences</a:t>
             </a:r>
             <a:endParaRPr lang="en-US" dirty="0"/>
           </a:p>
@@ -9953,46 +9954,56 @@
         </p:spPr>
         <p:txBody>
           <a:bodyPr>
-            <a:normAutofit fontScale="92500" lnSpcReduction="20000"/>
+            <a:normAutofit fontScale="92500"/>
           </a:bodyPr>
           <a:lstStyle/>
-          <a:p>
-            <a:r>
-              <a:rPr lang="en-US" b="1" u="sng" dirty="0" smtClean="0">
-                <a:solidFill>
-                  <a:srgbClr val="0070C0"/>
-                </a:solidFill>
-              </a:rPr>
-              <a:t>Connectivity</a:t>
-            </a:r>
-          </a:p>
           <a:p>
             <a:pPr marL="45720" indent="0">
               <a:buNone/>
             </a:pPr>
             <a:r>
-              <a:rPr lang="en-US" dirty="0" smtClean="0"/>
-              <a:t>(AMQP, AWS, Feed, File FTP, Jetty, </a:t>
-            </a:r>
-            <a:r>
-              <a:rPr lang="en-US" dirty="0" err="1" smtClean="0"/>
+              <a:rPr lang="en-US" b="1" u="sng" dirty="0" smtClean="0">
+                <a:solidFill>
+                  <a:srgbClr val="0070C0"/>
+                </a:solidFill>
+              </a:rPr>
+              <a:t>Connectivity</a:t>
+            </a:r>
+            <a:br>
+              <a:rPr lang="en-US" b="1" u="sng" dirty="0" smtClean="0">
+                <a:solidFill>
+                  <a:srgbClr val="0070C0"/>
+                </a:solidFill>
+              </a:rPr>
+            </a:br>
+            <a:r>
+              <a:rPr lang="en-US" i="1" dirty="0" smtClean="0"/>
+              <a:t>AMQP</a:t>
+            </a:r>
+            <a:r>
+              <a:rPr lang="en-US" i="1" dirty="0" smtClean="0"/>
+              <a:t>, AWS, Feed, File FTP, Jetty, </a:t>
+            </a:r>
+            <a:r>
+              <a:rPr lang="en-US" i="1" dirty="0" err="1" smtClean="0"/>
               <a:t>GemFire</a:t>
             </a:r>
             <a:r>
-              <a:rPr lang="en-US" dirty="0" smtClean="0"/>
+              <a:rPr lang="en-US" i="1" dirty="0" smtClean="0"/>
               <a:t>, HTTP, TCP, UDP, JDBC, JMS, Mail, MongoDB, </a:t>
             </a:r>
             <a:r>
-              <a:rPr lang="en-US" dirty="0" err="1" smtClean="0"/>
+              <a:rPr lang="en-US" i="1" dirty="0" err="1" smtClean="0"/>
               <a:t>Redis</a:t>
             </a:r>
             <a:r>
-              <a:rPr lang="en-US" dirty="0" smtClean="0"/>
-              <a:t>, RMI, SFTP, SQL, Stream, Twitter, Web Service, XML, XMPP…)</a:t>
-            </a:r>
-          </a:p>
-          <a:p>
-            <a:pPr lvl="1"/>
+              <a:rPr lang="en-US" i="1" dirty="0" smtClean="0"/>
+              <a:t>, RMI, SFTP, SQL, Stream, Twitter, Web Service, XML, </a:t>
+            </a:r>
+            <a:r>
+              <a:rPr lang="en-US" i="1" dirty="0" smtClean="0"/>
+              <a:t>XMP, etc.</a:t>
+            </a:r>
             <a:endParaRPr lang="en-US" dirty="0" smtClean="0"/>
           </a:p>
           <a:p>
@@ -10010,6 +10021,9 @@
             </a:r>
           </a:p>
           <a:p>
+            <a:pPr marL="45720" indent="0">
+              <a:buNone/>
+            </a:pPr>
             <a:r>
               <a:rPr lang="en-US" b="1" u="sng" dirty="0" smtClean="0">
                 <a:solidFill>
@@ -10034,6 +10048,9 @@
             </a:r>
           </a:p>
           <a:p>
+            <a:pPr marL="45720" indent="0">
+              <a:buNone/>
+            </a:pPr>
             <a:r>
               <a:rPr lang="en-US" b="1" u="sng" dirty="0" smtClean="0">
                 <a:solidFill>
@@ -10132,10 +10149,13 @@
         </p:spPr>
         <p:txBody>
           <a:bodyPr>
-            <a:normAutofit fontScale="92500" lnSpcReduction="10000"/>
+            <a:normAutofit fontScale="85000" lnSpcReduction="20000"/>
           </a:bodyPr>
           <a:lstStyle/>
           <a:p>
+            <a:pPr marL="45720" indent="0">
+              <a:buNone/>
+            </a:pPr>
             <a:r>
               <a:rPr lang="en-US" b="1" dirty="0" err="1" smtClean="0">
                 <a:solidFill>
@@ -10153,67 +10173,143 @@
               <a:t> </a:t>
             </a:r>
             <a:r>
+              <a:rPr lang="en-US" b="1" dirty="0">
+                <a:solidFill>
+                  <a:srgbClr val="0070C0"/>
+                </a:solidFill>
+              </a:rPr>
+              <a:t>R</a:t>
+            </a:r>
+            <a:r>
               <a:rPr lang="en-US" b="1" dirty="0" smtClean="0">
                 <a:solidFill>
                   <a:srgbClr val="0070C0"/>
                 </a:solidFill>
               </a:rPr>
-              <a:t>repository</a:t>
-            </a:r>
-          </a:p>
-          <a:p>
-            <a:pPr lvl="1"/>
-            <a:r>
+              <a:t>epository</a:t>
+            </a:r>
+            <a:br>
               <a:rPr lang="en-US" b="1" dirty="0" smtClean="0">
                 <a:solidFill>
                   <a:srgbClr val="0070C0"/>
                 </a:solidFill>
+              </a:rPr>
+            </a:br>
+            <a:r>
+              <a:rPr lang="en-US" dirty="0" smtClean="0">
+                <a:solidFill>
+                  <a:schemeClr val="accent4">
+                    <a:lumMod val="50000"/>
+                  </a:schemeClr>
+                </a:solidFill>
                 <a:hlinkClick r:id="rId2"/>
               </a:rPr>
               <a:t>https</a:t>
             </a:r>
             <a:r>
-              <a:rPr lang="en-US" b="1" dirty="0">
-                <a:solidFill>
-                  <a:srgbClr val="0070C0"/>
+              <a:rPr lang="en-US" dirty="0">
+                <a:solidFill>
+                  <a:schemeClr val="accent4">
+                    <a:lumMod val="50000"/>
+                  </a:schemeClr>
                 </a:solidFill>
                 <a:hlinkClick r:id="rId2"/>
               </a:rPr>
               <a:t>://</a:t>
             </a:r>
             <a:r>
-              <a:rPr lang="en-US" b="1" dirty="0" smtClean="0">
-                <a:solidFill>
-                  <a:srgbClr val="0070C0"/>
+              <a:rPr lang="en-US" dirty="0" smtClean="0">
+                <a:solidFill>
+                  <a:schemeClr val="accent4">
+                    <a:lumMod val="50000"/>
+                  </a:schemeClr>
                 </a:solidFill>
                 <a:hlinkClick r:id="rId2"/>
               </a:rPr>
-              <a:t>bitbucket.org/RAM0N_LUIS/jms-activemq-spring</a:t>
-            </a:r>
-            <a:endParaRPr lang="en-US" b="1" dirty="0" smtClean="0">
+              <a:t>bitbucket.org/</a:t>
+            </a:r>
+            <a:r>
+              <a:rPr lang="en-US" dirty="0" smtClean="0">
+                <a:solidFill>
+                  <a:schemeClr val="accent4">
+                    <a:lumMod val="50000"/>
+                  </a:schemeClr>
+                </a:solidFill>
+                <a:hlinkClick r:id="rId2"/>
+              </a:rPr>
+              <a:t>RAM</a:t>
+            </a:r>
+            <a:r>
+              <a:rPr lang="en-US" sz="2600" dirty="0" smtClean="0">
+                <a:solidFill>
+                  <a:schemeClr val="accent4">
+                    <a:lumMod val="50000"/>
+                  </a:schemeClr>
+                </a:solidFill>
+                <a:hlinkClick r:id="rId2"/>
+              </a:rPr>
+              <a:t>0</a:t>
+            </a:r>
+            <a:r>
+              <a:rPr lang="en-US" dirty="0" smtClean="0">
+                <a:solidFill>
+                  <a:schemeClr val="accent4">
+                    <a:lumMod val="50000"/>
+                  </a:schemeClr>
+                </a:solidFill>
+                <a:hlinkClick r:id="rId2"/>
+              </a:rPr>
+              <a:t>N_LUIS</a:t>
+            </a:r>
+            <a:r>
+              <a:rPr lang="en-US" dirty="0" smtClean="0">
+                <a:solidFill>
+                  <a:schemeClr val="accent4">
+                    <a:lumMod val="50000"/>
+                  </a:schemeClr>
+                </a:solidFill>
+                <a:hlinkClick r:id="rId2"/>
+              </a:rPr>
+              <a:t>/jms-activemq-spring</a:t>
+            </a:r>
+            <a:endParaRPr lang="en-US" dirty="0" smtClean="0">
               <a:solidFill>
-                <a:srgbClr val="0070C0"/>
+                <a:schemeClr val="accent4">
+                  <a:lumMod val="50000"/>
+                </a:schemeClr>
               </a:solidFill>
             </a:endParaRPr>
           </a:p>
           <a:p>
+            <a:pPr marL="45720" indent="0">
+              <a:buNone/>
+            </a:pPr>
             <a:r>
               <a:rPr lang="en-US" b="1" dirty="0" err="1"/>
               <a:t>ActiveMQ</a:t>
             </a:r>
             <a:r>
               <a:rPr lang="en-US" b="1" dirty="0"/>
-              <a:t> Configuration:</a:t>
-            </a:r>
-            <a:r>
-              <a:rPr lang="en-US" dirty="0"/>
               <a:t> </a:t>
+            </a:r>
+            <a:r>
+              <a:rPr lang="en-US" b="1" dirty="0" smtClean="0"/>
+              <a:t>Configuration</a:t>
+            </a:r>
+            <a:br>
+              <a:rPr lang="en-US" b="1" dirty="0" smtClean="0"/>
+            </a:br>
+            <a:r>
+              <a:rPr lang="en-US" dirty="0" smtClean="0">
+                <a:hlinkClick r:id="rId3"/>
+              </a:rPr>
+              <a:t>http</a:t>
             </a:r>
             <a:r>
               <a:rPr lang="en-US" dirty="0">
                 <a:hlinkClick r:id="rId3"/>
               </a:rPr>
-              <a:t>http://</a:t>
+              <a:t>://</a:t>
             </a:r>
             <a:r>
               <a:rPr lang="en-US" dirty="0" smtClean="0">
@@ -10228,23 +10324,35 @@
             <a:endParaRPr lang="en-US" dirty="0"/>
           </a:p>
           <a:p>
+            <a:pPr marL="45720" indent="0">
+              <a:buNone/>
+            </a:pPr>
             <a:r>
               <a:rPr lang="en-US" b="1" dirty="0"/>
               <a:t>Java JMS </a:t>
             </a:r>
             <a:r>
+              <a:rPr lang="en-US" b="1" dirty="0"/>
+              <a:t>T</a:t>
+            </a:r>
+            <a:r>
               <a:rPr lang="en-US" b="1" dirty="0" smtClean="0"/>
-              <a:t>tutorial</a:t>
-            </a:r>
-            <a:r>
-              <a:rPr lang="en-US" b="1" dirty="0"/>
-              <a:t>:  </a:t>
+              <a:t>utorial</a:t>
+            </a:r>
+            <a:br>
+              <a:rPr lang="en-US" b="1" dirty="0" smtClean="0"/>
+            </a:br>
+            <a:r>
+              <a:rPr lang="en-US" dirty="0" smtClean="0">
+                <a:hlinkClick r:id="rId4"/>
+              </a:rPr>
+              <a:t>http</a:t>
             </a:r>
             <a:r>
               <a:rPr lang="en-US" dirty="0">
                 <a:hlinkClick r:id="rId4"/>
               </a:rPr>
-              <a:t>http://</a:t>
+              <a:t>://</a:t>
             </a:r>
             <a:r>
               <a:rPr lang="en-US" dirty="0" smtClean="0">
@@ -10259,19 +10367,43 @@
             <a:endParaRPr lang="en-US" dirty="0"/>
           </a:p>
           <a:p>
+            <a:pPr marL="45720" indent="0">
+              <a:buNone/>
+            </a:pPr>
             <a:r>
               <a:rPr lang="en-US" b="1" dirty="0" err="1"/>
               <a:t>ActiveMQ</a:t>
             </a:r>
             <a:r>
               <a:rPr lang="en-US" b="1" dirty="0"/>
-              <a:t> Official HelloWorld Program: </a:t>
+              <a:t> Official </a:t>
+            </a:r>
+            <a:r>
+              <a:rPr lang="en-US" b="1" dirty="0" err="1"/>
+              <a:t>HelloWorld</a:t>
+            </a:r>
+            <a:r>
+              <a:rPr lang="en-US" b="1" dirty="0"/>
+              <a:t> </a:t>
+            </a:r>
+            <a:r>
+              <a:rPr lang="en-US" b="1" dirty="0" smtClean="0"/>
+              <a:t>Program</a:t>
+            </a:r>
+            <a:br>
+              <a:rPr lang="en-US" b="1" dirty="0" smtClean="0"/>
+            </a:br>
+            <a:r>
+              <a:rPr lang="en-US" dirty="0" smtClean="0">
+                <a:hlinkClick r:id="rId5"/>
+              </a:rPr>
+              <a:t>http</a:t>
             </a:r>
             <a:r>
               <a:rPr lang="en-US" dirty="0">
                 <a:hlinkClick r:id="rId5"/>
               </a:rPr>
-              <a:t>http://</a:t>
+              <a:t>://</a:t>
             </a:r>
             <a:r>
               <a:rPr lang="en-US" dirty="0" smtClean="0">
@@ -10286,6 +10418,9 @@
             <a:endParaRPr lang="en-US" dirty="0"/>
           </a:p>
           <a:p>
+            <a:pPr marL="45720" indent="0">
+              <a:buNone/>
+            </a:pPr>
             <a:r>
               <a:rPr lang="en-US" b="1" dirty="0"/>
               <a:t>Spring Official </a:t>
@@ -10296,13 +10431,26 @@
             </a:r>
             <a:r>
               <a:rPr lang="en-US" b="1" dirty="0"/>
-              <a:t> Example: </a:t>
+              <a:t> </a:t>
+            </a:r>
+            <a:r>
+              <a:rPr lang="en-US" b="1" dirty="0" smtClean="0"/>
+              <a:t>Example</a:t>
+            </a:r>
+            <a:br>
+              <a:rPr lang="en-US" b="1" dirty="0" smtClean="0"/>
+            </a:br>
+            <a:r>
+              <a:rPr lang="en-US" dirty="0" smtClean="0">
+                <a:hlinkClick r:id="rId6"/>
+              </a:rPr>
+              <a:t>https</a:t>
             </a:r>
             <a:r>
               <a:rPr lang="en-US" dirty="0">
                 <a:hlinkClick r:id="rId6"/>
               </a:rPr>
-              <a:t>https://spring.io/guides/gs/messaging-jms</a:t>
+              <a:t>://spring.io/guides/gs/messaging-jms</a:t>
             </a:r>
             <a:r>
               <a:rPr lang="en-US" dirty="0" smtClean="0">
@@ -10317,6 +10465,9 @@
             <a:endParaRPr lang="en-US" dirty="0"/>
           </a:p>
           <a:p>
+            <a:pPr marL="45720" indent="0">
+              <a:buNone/>
+            </a:pPr>
             <a:r>
               <a:rPr lang="en-US" b="1" dirty="0"/>
               <a:t>Spring </a:t>
@@ -10327,13 +10478,30 @@
             </a:r>
             <a:r>
               <a:rPr lang="en-US" b="1" dirty="0"/>
-              <a:t> Walkthrough with Example Code: </a:t>
+              <a:t> Walkthrough with Example </a:t>
+            </a:r>
+            <a:r>
+              <a:rPr lang="en-US" b="1" dirty="0" smtClean="0"/>
+              <a:t>Cod</a:t>
+            </a:r>
+            <a:r>
+              <a:rPr lang="en-US" b="1" dirty="0" smtClean="0"/>
+              <a:t>e</a:t>
+            </a:r>
+            <a:br>
+              <a:rPr lang="en-US" b="1" dirty="0" smtClean="0"/>
+            </a:br>
+            <a:r>
+              <a:rPr lang="en-US" dirty="0" smtClean="0">
+                <a:hlinkClick r:id="rId7"/>
+              </a:rPr>
+              <a:t>http</a:t>
             </a:r>
             <a:r>
               <a:rPr lang="en-US" dirty="0">
                 <a:hlinkClick r:id="rId7"/>
               </a:rPr>
-              <a:t>http://</a:t>
+              <a:t>://</a:t>
             </a:r>
             <a:r>
               <a:rPr lang="en-US" dirty="0" smtClean="0">
@@ -10348,15 +10516,31 @@
             <a:endParaRPr lang="en-US" dirty="0"/>
           </a:p>
           <a:p>
+            <a:pPr marL="45720" indent="0">
+              <a:buNone/>
+            </a:pPr>
             <a:r>
               <a:rPr lang="en-US" b="1" dirty="0"/>
-              <a:t>JMS &amp; Spring References: </a:t>
+              <a:t>JMS &amp; Spring </a:t>
+            </a:r>
+            <a:r>
+              <a:rPr lang="en-US" b="1" dirty="0" smtClean="0"/>
+              <a:t>Reference</a:t>
+            </a:r>
+            <a:br>
+              <a:rPr lang="en-US" b="1" dirty="0" smtClean="0"/>
+            </a:br>
+            <a:r>
+              <a:rPr lang="en-US" dirty="0" smtClean="0">
+                <a:hlinkClick r:id="rId8"/>
+              </a:rPr>
+              <a:t>http</a:t>
             </a:r>
             <a:r>
               <a:rPr lang="en-US" dirty="0">
                 <a:hlinkClick r:id="rId8"/>
               </a:rPr>
-              <a:t>http://</a:t>
+              <a:t>://</a:t>
             </a:r>
             <a:r>
               <a:rPr lang="en-US" dirty="0" smtClean="0">
@@ -10490,12 +10674,8 @@
               <a:t>Usually between systems rather than between humans (</a:t>
             </a:r>
             <a:r>
-              <a:rPr lang="en-US" sz="2400" dirty="0" err="1"/>
-              <a:t>eg</a:t>
-            </a:r>
-            <a:r>
-              <a:rPr lang="en-US" sz="2400" dirty="0"/>
-              <a:t>: email</a:t>
+              <a:rPr lang="en-US" sz="2400" dirty="0" smtClean="0"/>
+              <a:t>e.g. email</a:t>
             </a:r>
             <a:r>
               <a:rPr lang="en-US" sz="2400" dirty="0" smtClean="0"/>
@@ -10579,7 +10759,6 @@
               <a:rPr lang="en-US" dirty="0" smtClean="0"/>
               <a:t>Ecommerce Systems</a:t>
             </a:r>
-            <a:endParaRPr lang="en-US" dirty="0" smtClean="0"/>
           </a:p>
           <a:p>
             <a:r>
@@ -10604,18 +10783,12 @@
               <a:rPr lang="en-US" dirty="0" smtClean="0"/>
               <a:t>Social Networks</a:t>
             </a:r>
-            <a:endParaRPr lang="en-US" dirty="0" smtClean="0"/>
           </a:p>
           <a:p>
             <a:r>
               <a:rPr lang="en-US" dirty="0" smtClean="0"/>
-              <a:t>Satellite </a:t>
-            </a:r>
-            <a:r>
-              <a:rPr lang="en-US" dirty="0" smtClean="0"/>
-              <a:t>Navigation</a:t>
-            </a:r>
-            <a:endParaRPr lang="en-US" dirty="0" smtClean="0"/>
+              <a:t>Satellite Navigation</a:t>
+            </a:r>
           </a:p>
           <a:p>
             <a:r>
@@ -10668,7 +10841,7 @@
           </a:prstGeom>
           <a:noFill/>
           <a:extLst>
-            <a:ext uri="{909E8E84-426E-40DD-AFC4-6F175D3DCCD1}">
+            <a:ext uri="{909E8E84-426E-40dd-AFC4-6F175D3DCCD1}">
               <a14:hiddenFill xmlns:a14="http://schemas.microsoft.com/office/drawing/2010/main">
                 <a:solidFill>
                   <a:srgbClr val="FFFFFF"/>
@@ -10709,7 +10882,7 @@
           </a:prstGeom>
           <a:noFill/>
           <a:extLst>
-            <a:ext uri="{909E8E84-426E-40DD-AFC4-6F175D3DCCD1}">
+            <a:ext uri="{909E8E84-426E-40dd-AFC4-6F175D3DCCD1}">
               <a14:hiddenFill xmlns:a14="http://schemas.microsoft.com/office/drawing/2010/main">
                 <a:solidFill>
                   <a:srgbClr val="FFFFFF"/>
@@ -10750,7 +10923,7 @@
           </a:prstGeom>
           <a:noFill/>
           <a:extLst>
-            <a:ext uri="{909E8E84-426E-40DD-AFC4-6F175D3DCCD1}">
+            <a:ext uri="{909E8E84-426E-40dd-AFC4-6F175D3DCCD1}">
               <a14:hiddenFill xmlns:a14="http://schemas.microsoft.com/office/drawing/2010/main">
                 <a:solidFill>
                   <a:srgbClr val="FFFFFF"/>
@@ -10791,7 +10964,7 @@
           </a:prstGeom>
           <a:noFill/>
           <a:extLst>
-            <a:ext uri="{909E8E84-426E-40DD-AFC4-6F175D3DCCD1}">
+            <a:ext uri="{909E8E84-426E-40dd-AFC4-6F175D3DCCD1}">
               <a14:hiddenFill xmlns:a14="http://schemas.microsoft.com/office/drawing/2010/main">
                 <a:solidFill>
                   <a:srgbClr val="FFFFFF"/>
@@ -10993,22 +11166,27 @@
           </a:bodyPr>
           <a:lstStyle/>
           <a:p>
+            <a:pPr marL="45720" indent="0">
+              <a:buNone/>
+            </a:pPr>
             <a:r>
               <a:rPr lang="en-US" dirty="0" smtClean="0"/>
-              <a:t>Java API </a:t>
-            </a:r>
-            <a:r>
-              <a:rPr lang="en-US" dirty="0" smtClean="0"/>
-              <a:t>for sending messages between two or more clients</a:t>
-            </a:r>
-          </a:p>
-          <a:p>
+              <a:t>Java API for sending messages between two or more clients</a:t>
+            </a:r>
+          </a:p>
+          <a:p>
+            <a:pPr marL="45720" indent="0">
+              <a:buNone/>
+            </a:pPr>
             <a:r>
               <a:rPr lang="en-US" dirty="0" smtClean="0"/>
               <a:t>Part of the Java Enterprise Edition</a:t>
             </a:r>
           </a:p>
           <a:p>
+            <a:pPr marL="45720" indent="0">
+              <a:buNone/>
+            </a:pPr>
             <a:r>
               <a:rPr lang="en-US" dirty="0" smtClean="0"/>
               <a:t>A </a:t>
@@ -11061,15 +11239,7 @@
             </a:r>
             <a:r>
               <a:rPr lang="en-US" sz="2100" dirty="0" smtClean="0"/>
-              <a:t>t doesn’t matter whether the sender and the receiver are </a:t>
-            </a:r>
-            <a:r>
-              <a:rPr lang="en-US" sz="2100" dirty="0" smtClean="0"/>
-              <a:t>present/running </a:t>
-            </a:r>
-            <a:r>
-              <a:rPr lang="en-US" sz="2100" dirty="0" smtClean="0"/>
-              <a:t>at the same time.</a:t>
+              <a:t>t doesn’t matter whether the sender and the receiver are present/running at the same time.</a:t>
             </a:r>
           </a:p>
           <a:p>
@@ -11168,6 +11338,9 @@
           </a:bodyPr>
           <a:lstStyle/>
           <a:p>
+            <a:pPr marL="45720" indent="0">
+              <a:buNone/>
+            </a:pPr>
             <a:r>
               <a:rPr lang="en-US" sz="2400" dirty="0" smtClean="0"/>
               <a:t>You want </a:t>
@@ -11186,6 +11359,9 @@
             </a:r>
           </a:p>
           <a:p>
+            <a:pPr marL="45720" indent="0">
+              <a:buNone/>
+            </a:pPr>
             <a:r>
               <a:rPr lang="en-US" sz="2400" b="1" dirty="0" smtClean="0">
                 <a:solidFill>
@@ -11200,6 +11376,9 @@
             </a:r>
           </a:p>
           <a:p>
+            <a:pPr marL="45720" indent="0">
+              <a:buNone/>
+            </a:pPr>
             <a:r>
               <a:rPr lang="en-US" sz="2400" b="1" dirty="0" smtClean="0">
                 <a:solidFill>
@@ -11214,16 +11393,24 @@
             </a:r>
           </a:p>
           <a:p>
-            <a:r>
-              <a:rPr lang="en-US" sz="2400" b="1" u="sng" dirty="0"/>
+            <a:pPr marL="45720" indent="0">
+              <a:buNone/>
+            </a:pPr>
+            <a:r>
+              <a:rPr lang="en-US" sz="2400" b="1" u="sng" dirty="0" smtClean="0"/>
               <a:t>Advantages?</a:t>
             </a:r>
+            <a:endParaRPr lang="en-US" sz="2400" b="1" u="sng" dirty="0"/>
           </a:p>
           <a:p>
             <a:pPr lvl="1"/>
             <a:r>
+              <a:rPr lang="en-US" sz="2400" dirty="0" smtClean="0"/>
+              <a:t>Ability </a:t>
+            </a:r>
+            <a:r>
               <a:rPr lang="en-US" sz="2400" dirty="0"/>
-              <a:t>Ability to integrate different platforms</a:t>
+              <a:t>to integrate different platforms</a:t>
             </a:r>
           </a:p>
           <a:p>
@@ -11321,13 +11508,21 @@
             <p:ph idx="1"/>
           </p:nvPr>
         </p:nvSpPr>
-        <p:spPr/>
+        <p:spPr>
+          <a:xfrm>
+            <a:off x="1143000" y="2057400"/>
+            <a:ext cx="10348426" cy="4170732"/>
+          </a:xfrm>
+        </p:spPr>
         <p:txBody>
           <a:bodyPr>
-            <a:normAutofit fontScale="92500" lnSpcReduction="10000"/>
+            <a:normAutofit lnSpcReduction="10000"/>
           </a:bodyPr>
           <a:lstStyle/>
           <a:p>
+            <a:pPr marL="282575" indent="-238125">
+              <a:buNone/>
+            </a:pPr>
             <a:r>
               <a:rPr lang="en-US" b="1" dirty="0">
                 <a:solidFill>
@@ -11337,9 +11532,26 @@
               <a:t>Administered Objects </a:t>
             </a:r>
             <a:r>
+              <a:rPr lang="en-US" dirty="0" smtClean="0"/>
+              <a:t>–preconfigured JMS </a:t>
+            </a:r>
+            <a:r>
               <a:rPr lang="en-US" dirty="0"/>
-              <a:t>– preconfigured JMS objects created by an administrator for the use of the clients</a:t>
-            </a:r>
+              <a:t>objects created by an </a:t>
+            </a:r>
+            <a:r>
+              <a:rPr lang="en-US" dirty="0" smtClean="0"/>
+              <a:t>admin </a:t>
+            </a:r>
+            <a:r>
+              <a:rPr lang="en-US" dirty="0"/>
+              <a:t>for </a:t>
+            </a:r>
+            <a:r>
+              <a:rPr lang="en-US" dirty="0" smtClean="0"/>
+              <a:t>client use</a:t>
+            </a:r>
+            <a:endParaRPr lang="en-US" dirty="0"/>
           </a:p>
           <a:p>
             <a:pPr lvl="1"/>
@@ -11349,6 +11561,9 @@
             </a:r>
           </a:p>
           <a:p>
+            <a:pPr marL="45720" indent="0">
+              <a:buNone/>
+            </a:pPr>
             <a:r>
               <a:rPr lang="en-US" b="1" dirty="0" smtClean="0">
                 <a:solidFill>
@@ -11367,17 +11582,32 @@
             </a:r>
             <a:r>
               <a:rPr lang="en-US" dirty="0" smtClean="0"/>
-              <a:t>– The messaging system (MOM) that implements JMS interfaces </a:t>
+              <a:t>– the </a:t>
+            </a:r>
+            <a:r>
+              <a:rPr lang="en-US" dirty="0" smtClean="0"/>
+              <a:t>messaging system (MOM) that implements JMS interfaces </a:t>
             </a:r>
           </a:p>
           <a:p>
             <a:pPr lvl="1"/>
             <a:r>
+              <a:rPr lang="en-US" dirty="0"/>
+              <a:t>a</a:t>
+            </a:r>
+            <a:r>
               <a:rPr lang="en-US" dirty="0" smtClean="0"/>
-              <a:t>A message broker or agent (like post office / mailman)</a:t>
-            </a:r>
-          </a:p>
-          <a:p>
+              <a:t> </a:t>
+            </a:r>
+            <a:r>
+              <a:rPr lang="en-US" dirty="0" smtClean="0"/>
+              <a:t>message broker or agent (like post office / mailman)</a:t>
+            </a:r>
+          </a:p>
+          <a:p>
+            <a:pPr marL="45720" indent="0">
+              <a:buNone/>
+            </a:pPr>
             <a:r>
               <a:rPr lang="en-US" b="1" dirty="0" smtClean="0">
                 <a:solidFill>
@@ -11406,6 +11636,9 @@
             </a:r>
           </a:p>
           <a:p>
+            <a:pPr marL="45720" indent="0">
+              <a:buNone/>
+            </a:pPr>
             <a:r>
               <a:rPr lang="en-US" b="1" dirty="0" smtClean="0">
                 <a:solidFill>
@@ -11416,10 +11649,21 @@
             </a:r>
             <a:r>
               <a:rPr lang="en-US" dirty="0" smtClean="0"/>
-              <a:t> – The objects that communicate information between JMS clients</a:t>
-            </a:r>
-          </a:p>
-          <a:p>
+              <a:t> – </a:t>
+            </a:r>
+            <a:r>
+              <a:rPr lang="en-US" dirty="0" smtClean="0"/>
+              <a:t>the </a:t>
+            </a:r>
+            <a:r>
+              <a:rPr lang="en-US" dirty="0" smtClean="0"/>
+              <a:t>objects that communicate information between JMS clients</a:t>
+            </a:r>
+          </a:p>
+          <a:p>
+            <a:pPr marL="45720" indent="0">
+              <a:buNone/>
+            </a:pPr>
             <a:r>
               <a:rPr lang="en-US" b="1" dirty="0" smtClean="0">
                 <a:solidFill>
@@ -11443,6 +11687,9 @@
             </a:endParaRPr>
           </a:p>
           <a:p>
+            <a:pPr marL="45720" indent="0">
+              <a:buNone/>
+            </a:pPr>
             <a:r>
               <a:rPr lang="en-US" b="1" dirty="0" smtClean="0">
                 <a:solidFill>
@@ -11560,10 +11807,13 @@
         </p:spPr>
         <p:txBody>
           <a:bodyPr>
-            <a:normAutofit lnSpcReduction="10000"/>
+            <a:normAutofit/>
           </a:bodyPr>
           <a:lstStyle/>
           <a:p>
+            <a:pPr marL="45720" indent="0">
+              <a:buNone/>
+            </a:pPr>
             <a:r>
               <a:rPr lang="en-US" b="1" dirty="0" smtClean="0">
                 <a:solidFill>
@@ -11586,6 +11836,9 @@
             </a:r>
           </a:p>
           <a:p>
+            <a:pPr marL="45720" indent="0">
+              <a:buNone/>
+            </a:pPr>
             <a:r>
               <a:rPr lang="en-US" b="1" dirty="0" smtClean="0">
                 <a:solidFill>
@@ -11600,29 +11853,56 @@
             </a:r>
           </a:p>
           <a:p>
+            <a:pPr marL="45720" indent="0">
+              <a:buNone/>
+            </a:pPr>
+            <a:r>
+              <a:rPr lang="en-US" b="1" dirty="0" smtClean="0">
+                <a:solidFill>
+                  <a:srgbClr val="0070C0"/>
+                </a:solidFill>
+              </a:rPr>
+              <a:t>Message </a:t>
+            </a:r>
+            <a:r>
+              <a:rPr lang="en-US" b="1" dirty="0">
+                <a:solidFill>
+                  <a:srgbClr val="0070C0"/>
+                </a:solidFill>
+              </a:rPr>
+              <a:t>B</a:t>
+            </a:r>
+            <a:r>
+              <a:rPr lang="en-US" b="1" dirty="0" smtClean="0">
+                <a:solidFill>
+                  <a:srgbClr val="0070C0"/>
+                </a:solidFill>
+              </a:rPr>
+              <a:t>roker </a:t>
+            </a:r>
             <a:r>
               <a:rPr lang="en-US" dirty="0" smtClean="0"/>
-              <a:t>A </a:t>
-            </a:r>
-            <a:r>
-              <a:rPr lang="en-US" b="1" dirty="0" smtClean="0">
-                <a:solidFill>
-                  <a:srgbClr val="0070C0"/>
-                </a:solidFill>
-              </a:rPr>
-              <a:t>message broker </a:t>
+              <a:t>is a type of </a:t>
             </a:r>
             <a:r>
               <a:rPr lang="en-US" dirty="0" smtClean="0"/>
-              <a:t>(such as Apache </a:t>
-            </a:r>
-            <a:r>
-              <a:rPr lang="en-US" dirty="0" err="1" smtClean="0"/>
+              <a:t>Message Oriented </a:t>
+            </a:r>
+            <a:r>
+              <a:rPr lang="en-US" dirty="0"/>
+              <a:t>Middleware </a:t>
+            </a:r>
+            <a:r>
+              <a:rPr lang="en-US" dirty="0" smtClean="0"/>
+              <a:t>(e.g. Apache </a:t>
+            </a:r>
+            <a:r>
+              <a:rPr lang="en-US" dirty="0" err="1"/>
               <a:t>ActiveMQ</a:t>
             </a:r>
             <a:r>
-              <a:rPr lang="en-US" dirty="0" smtClean="0"/>
-              <a:t>) is a type (quite popular) kind of Message Oriented Middleware</a:t>
+              <a:rPr lang="en-US" dirty="0"/>
+              <a:t>)</a:t>
             </a:r>
             <a:endParaRPr lang="en-US" b="1" dirty="0" smtClean="0"/>
           </a:p>
@@ -11718,7 +11998,7 @@
           </a:prstGeom>
           <a:noFill/>
           <a:extLst>
-            <a:ext uri="{909E8E84-426E-40DD-AFC4-6F175D3DCCD1}">
+            <a:ext uri="{909E8E84-426E-40dd-AFC4-6F175D3DCCD1}">
               <a14:hiddenFill xmlns:a14="http://schemas.microsoft.com/office/drawing/2010/main">
                 <a:solidFill>
                   <a:srgbClr val="FFFFFF"/>
@@ -11759,7 +12039,7 @@
           </a:prstGeom>
           <a:noFill/>
           <a:extLst>
-            <a:ext uri="{909E8E84-426E-40DD-AFC4-6F175D3DCCD1}">
+            <a:ext uri="{909E8E84-426E-40dd-AFC4-6F175D3DCCD1}">
               <a14:hiddenFill xmlns:a14="http://schemas.microsoft.com/office/drawing/2010/main">
                 <a:solidFill>
                   <a:srgbClr val="FFFFFF"/>
@@ -11800,7 +12080,7 @@
           </a:prstGeom>
           <a:noFill/>
           <a:extLst>
-            <a:ext uri="{909E8E84-426E-40DD-AFC4-6F175D3DCCD1}">
+            <a:ext uri="{909E8E84-426E-40dd-AFC4-6F175D3DCCD1}">
               <a14:hiddenFill xmlns:a14="http://schemas.microsoft.com/office/drawing/2010/main">
                 <a:solidFill>
                   <a:srgbClr val="FFFFFF"/>
@@ -11841,7 +12121,7 @@
           </a:prstGeom>
           <a:noFill/>
           <a:extLst>
-            <a:ext uri="{909E8E84-426E-40DD-AFC4-6F175D3DCCD1}">
+            <a:ext uri="{909E8E84-426E-40dd-AFC4-6F175D3DCCD1}">
               <a14:hiddenFill xmlns:a14="http://schemas.microsoft.com/office/drawing/2010/main">
                 <a:solidFill>
                   <a:srgbClr val="FFFFFF"/>
@@ -11882,7 +12162,7 @@
           </a:prstGeom>
           <a:noFill/>
           <a:extLst>
-            <a:ext uri="{909E8E84-426E-40DD-AFC4-6F175D3DCCD1}">
+            <a:ext uri="{909E8E84-426E-40dd-AFC4-6F175D3DCCD1}">
               <a14:hiddenFill xmlns:a14="http://schemas.microsoft.com/office/drawing/2010/main">
                 <a:solidFill>
                   <a:srgbClr val="FFFFFF"/>
@@ -11937,7 +12217,7 @@
             </a:prstGeom>
             <a:noFill/>
             <a:extLst>
-              <a:ext uri="{909E8E84-426E-40DD-AFC4-6F175D3DCCD1}">
+              <a:ext uri="{909E8E84-426E-40dd-AFC4-6F175D3DCCD1}">
                 <a14:hiddenFill xmlns:a14="http://schemas.microsoft.com/office/drawing/2010/main">
                   <a:solidFill>
                     <a:srgbClr val="FFFFFF"/>
@@ -12023,7 +12303,7 @@
             </a:prstGeom>
             <a:noFill/>
             <a:extLst>
-              <a:ext uri="{909E8E84-426E-40DD-AFC4-6F175D3DCCD1}">
+              <a:ext uri="{909E8E84-426E-40dd-AFC4-6F175D3DCCD1}">
                 <a14:hiddenFill xmlns:a14="http://schemas.microsoft.com/office/drawing/2010/main">
                   <a:solidFill>
                     <a:srgbClr val="FFFFFF"/>
@@ -12454,7 +12734,7 @@
     </a:clrScheme>
     <a:fontScheme name="Basis">
       <a:majorFont>
-        <a:latin typeface="Corbel" panose="020B0503020204020204"/>
+        <a:latin typeface="Corbel"/>
         <a:ea typeface=""/>
         <a:cs typeface=""/>
         <a:font script="Jpan" typeface="ＭＳ ゴシック"/>
@@ -12489,7 +12769,7 @@
         <a:font script="Geor" typeface="Sylfaen"/>
       </a:majorFont>
       <a:minorFont>
-        <a:latin typeface="Corbel" panose="020B0503020204020204"/>
+        <a:latin typeface="Corbel"/>
         <a:ea typeface=""/>
         <a:cs typeface=""/>
         <a:font script="Jpan" typeface="ＭＳ ゴシック"/>
@@ -12642,7 +12922,7 @@
   <a:extraClrSchemeLst/>
   <a:extLst>
     <a:ext uri="{05A4C25C-085E-4340-85A3-A5531E510DB2}">
-      <thm15:themeFamily xmlns:thm15="http://schemas.microsoft.com/office/thememl/2012/main" name="Basis" id="{5665723A-49BA-4B57-8411-A56F8F207965}" vid="{90E45F77-AEFC-46EF-A7C1-5B338C297B02}"/>
+      <thm15:themeFamily xmlns:thm15="http://schemas.microsoft.com/office/thememl/2012/main" xmlns="" name="Basis" id="{5665723A-49BA-4B57-8411-A56F8F207965}" vid="{90E45F77-AEFC-46EF-A7C1-5B338C297B02}"/>
     </a:ext>
   </a:extLst>
 </a:theme>
